--- a/自动化测试解决方案及项目实践.pptx
+++ b/自动化测试解决方案及项目实践.pptx
@@ -23675,7 +23675,7 @@
           <a:p>
             <a:fld id="{7FE5AB1E-7636-405F-9A08-2B3276AC85C6}" type="datetimeFigureOut">
               <a:rPr lang="zh-CN" altLang="en-US" smtClean="0"/>
-              <a:t>2018/5/15</a:t>
+              <a:t>2018/5/16</a:t>
             </a:fld>
             <a:endParaRPr lang="zh-CN" altLang="en-US"/>
           </a:p>
@@ -33398,9 +33398,43 @@
           <a:chExt cx="0" cy="0"/>
         </a:xfrm>
       </p:grpSpPr>
+      <p:sp>
+        <p:nvSpPr>
+          <p:cNvPr id="8" name="标题 1"/>
+          <p:cNvSpPr>
+            <a:spLocks noGrp="1"/>
+          </p:cNvSpPr>
+          <p:nvPr>
+            <p:ph type="title"/>
+          </p:nvPr>
+        </p:nvSpPr>
+        <p:spPr>
+          <a:xfrm>
+            <a:off x="251520" y="981075"/>
+            <a:ext cx="8389243" cy="533400"/>
+          </a:xfrm>
+        </p:spPr>
+        <p:txBody>
+          <a:bodyPr/>
+          <a:lstStyle/>
+          <a:p>
+            <a:r>
+              <a:rPr lang="en-US" altLang="zh-CN" dirty="0" smtClean="0">
+                <a:latin typeface="微软雅黑" panose="020B0503020204020204" pitchFamily="34" charset="-122"/>
+                <a:ea typeface="微软雅黑" panose="020B0503020204020204" pitchFamily="34" charset="-122"/>
+              </a:rPr>
+              <a:t>Sweetest</a:t>
+            </a:r>
+            <a:endParaRPr lang="en-US" altLang="zh-CN" dirty="0">
+              <a:latin typeface="微软雅黑" panose="020B0503020204020204" pitchFamily="34" charset="-122"/>
+              <a:ea typeface="微软雅黑" panose="020B0503020204020204" pitchFamily="34" charset="-122"/>
+            </a:endParaRPr>
+          </a:p>
+        </p:txBody>
+      </p:sp>
       <p:pic>
         <p:nvPicPr>
-          <p:cNvPr id="7" name="图片 6"/>
+          <p:cNvPr id="3" name="图片 2"/>
           <p:cNvPicPr>
             <a:picLocks noChangeAspect="1"/>
           </p:cNvPicPr>
@@ -33420,48 +33454,14 @@
         </p:blipFill>
         <p:spPr>
           <a:xfrm>
-            <a:off x="827584" y="451856"/>
-            <a:ext cx="7282416" cy="6406144"/>
+            <a:off x="1547664" y="461728"/>
+            <a:ext cx="6519278" cy="6396272"/>
           </a:xfrm>
           <a:prstGeom prst="rect">
             <a:avLst/>
           </a:prstGeom>
         </p:spPr>
       </p:pic>
-      <p:sp>
-        <p:nvSpPr>
-          <p:cNvPr id="8" name="标题 1"/>
-          <p:cNvSpPr>
-            <a:spLocks noGrp="1"/>
-          </p:cNvSpPr>
-          <p:nvPr>
-            <p:ph type="title"/>
-          </p:nvPr>
-        </p:nvSpPr>
-        <p:spPr>
-          <a:xfrm>
-            <a:off x="251520" y="981075"/>
-            <a:ext cx="8389243" cy="533400"/>
-          </a:xfrm>
-        </p:spPr>
-        <p:txBody>
-          <a:bodyPr/>
-          <a:lstStyle/>
-          <a:p>
-            <a:r>
-              <a:rPr lang="en-US" altLang="zh-CN" dirty="0" smtClean="0">
-                <a:latin typeface="微软雅黑" panose="020B0503020204020204" pitchFamily="34" charset="-122"/>
-                <a:ea typeface="微软雅黑" panose="020B0503020204020204" pitchFamily="34" charset="-122"/>
-              </a:rPr>
-              <a:t>Sweetest</a:t>
-            </a:r>
-            <a:endParaRPr lang="en-US" altLang="zh-CN" dirty="0">
-              <a:latin typeface="微软雅黑" panose="020B0503020204020204" pitchFamily="34" charset="-122"/>
-              <a:ea typeface="微软雅黑" panose="020B0503020204020204" pitchFamily="34" charset="-122"/>
-            </a:endParaRPr>
-          </a:p>
-        </p:txBody>
-      </p:sp>
     </p:spTree>
     <p:extLst>
       <p:ext uri="{BB962C8B-B14F-4D97-AF65-F5344CB8AC3E}">
@@ -33499,9 +33499,39 @@
           <a:chExt cx="0" cy="0"/>
         </a:xfrm>
       </p:grpSpPr>
+      <p:sp>
+        <p:nvSpPr>
+          <p:cNvPr id="8" name="标题 1"/>
+          <p:cNvSpPr>
+            <a:spLocks noGrp="1"/>
+          </p:cNvSpPr>
+          <p:nvPr>
+            <p:ph type="title"/>
+          </p:nvPr>
+        </p:nvSpPr>
+        <p:spPr>
+          <a:xfrm>
+            <a:off x="179512" y="980728"/>
+            <a:ext cx="8460482" cy="533400"/>
+          </a:xfrm>
+        </p:spPr>
+        <p:txBody>
+          <a:bodyPr/>
+          <a:lstStyle/>
+          <a:p>
+            <a:r>
+              <a:rPr lang="en-US" altLang="zh-CN" dirty="0">
+                <a:latin typeface="微软雅黑" panose="020B0503020204020204" pitchFamily="34" charset="-122"/>
+                <a:ea typeface="微软雅黑" panose="020B0503020204020204" pitchFamily="34" charset="-122"/>
+              </a:rPr>
+              <a:t>Postman</a:t>
+            </a:r>
+          </a:p>
+        </p:txBody>
+      </p:sp>
       <p:pic>
         <p:nvPicPr>
-          <p:cNvPr id="7" name="图片 6"/>
+          <p:cNvPr id="2" name="图片 1"/>
           <p:cNvPicPr>
             <a:picLocks noChangeAspect="1"/>
           </p:cNvPicPr>
@@ -33521,44 +33551,14 @@
         </p:blipFill>
         <p:spPr>
           <a:xfrm>
-            <a:off x="575425" y="564630"/>
-            <a:ext cx="8676456" cy="6055024"/>
+            <a:off x="539552" y="1110161"/>
+            <a:ext cx="8100392" cy="5665201"/>
           </a:xfrm>
           <a:prstGeom prst="rect">
             <a:avLst/>
           </a:prstGeom>
         </p:spPr>
       </p:pic>
-      <p:sp>
-        <p:nvSpPr>
-          <p:cNvPr id="8" name="标题 1"/>
-          <p:cNvSpPr>
-            <a:spLocks noGrp="1"/>
-          </p:cNvSpPr>
-          <p:nvPr>
-            <p:ph type="title"/>
-          </p:nvPr>
-        </p:nvSpPr>
-        <p:spPr>
-          <a:xfrm>
-            <a:off x="179512" y="980728"/>
-            <a:ext cx="8460482" cy="533400"/>
-          </a:xfrm>
-        </p:spPr>
-        <p:txBody>
-          <a:bodyPr/>
-          <a:lstStyle/>
-          <a:p>
-            <a:r>
-              <a:rPr lang="en-US" altLang="zh-CN" dirty="0">
-                <a:latin typeface="微软雅黑" panose="020B0503020204020204" pitchFamily="34" charset="-122"/>
-                <a:ea typeface="微软雅黑" panose="020B0503020204020204" pitchFamily="34" charset="-122"/>
-              </a:rPr>
-              <a:t>Postman</a:t>
-            </a:r>
-          </a:p>
-        </p:txBody>
-      </p:sp>
     </p:spTree>
     <p:extLst>
       <p:ext uri="{BB962C8B-B14F-4D97-AF65-F5344CB8AC3E}">
@@ -33596,9 +33596,39 @@
           <a:chExt cx="0" cy="0"/>
         </a:xfrm>
       </p:grpSpPr>
+      <p:sp>
+        <p:nvSpPr>
+          <p:cNvPr id="8" name="标题 1"/>
+          <p:cNvSpPr>
+            <a:spLocks noGrp="1"/>
+          </p:cNvSpPr>
+          <p:nvPr>
+            <p:ph type="title"/>
+          </p:nvPr>
+        </p:nvSpPr>
+        <p:spPr>
+          <a:xfrm>
+            <a:off x="251520" y="980728"/>
+            <a:ext cx="8388474" cy="533400"/>
+          </a:xfrm>
+        </p:spPr>
+        <p:txBody>
+          <a:bodyPr/>
+          <a:lstStyle/>
+          <a:p>
+            <a:r>
+              <a:rPr lang="en-US" altLang="zh-CN" dirty="0">
+                <a:latin typeface="微软雅黑" panose="020B0503020204020204" pitchFamily="34" charset="-122"/>
+                <a:ea typeface="微软雅黑" panose="020B0503020204020204" pitchFamily="34" charset="-122"/>
+              </a:rPr>
+              <a:t>Sonar</a:t>
+            </a:r>
+          </a:p>
+        </p:txBody>
+      </p:sp>
       <p:pic>
         <p:nvPicPr>
-          <p:cNvPr id="7" name="图片 6"/>
+          <p:cNvPr id="2" name="图片 1"/>
           <p:cNvPicPr>
             <a:picLocks noChangeAspect="1"/>
           </p:cNvPicPr>
@@ -33618,44 +33648,14 @@
         </p:blipFill>
         <p:spPr>
           <a:xfrm>
-            <a:off x="0" y="651018"/>
-            <a:ext cx="9144000" cy="5555964"/>
+            <a:off x="66926" y="1052736"/>
+            <a:ext cx="8645026" cy="5683133"/>
           </a:xfrm>
           <a:prstGeom prst="rect">
             <a:avLst/>
           </a:prstGeom>
         </p:spPr>
       </p:pic>
-      <p:sp>
-        <p:nvSpPr>
-          <p:cNvPr id="8" name="标题 1"/>
-          <p:cNvSpPr>
-            <a:spLocks noGrp="1"/>
-          </p:cNvSpPr>
-          <p:nvPr>
-            <p:ph type="title"/>
-          </p:nvPr>
-        </p:nvSpPr>
-        <p:spPr>
-          <a:xfrm>
-            <a:off x="251520" y="980728"/>
-            <a:ext cx="8388474" cy="533400"/>
-          </a:xfrm>
-        </p:spPr>
-        <p:txBody>
-          <a:bodyPr/>
-          <a:lstStyle/>
-          <a:p>
-            <a:r>
-              <a:rPr lang="en-US" altLang="zh-CN" dirty="0">
-                <a:latin typeface="微软雅黑" panose="020B0503020204020204" pitchFamily="34" charset="-122"/>
-                <a:ea typeface="微软雅黑" panose="020B0503020204020204" pitchFamily="34" charset="-122"/>
-              </a:rPr>
-              <a:t>Sonar</a:t>
-            </a:r>
-          </a:p>
-        </p:txBody>
-      </p:sp>
     </p:spTree>
     <p:extLst>
       <p:ext uri="{BB962C8B-B14F-4D97-AF65-F5344CB8AC3E}">
@@ -33904,7 +33904,7 @@
           <p:nvPr>
             <p:extLst>
               <p:ext uri="{D42A27DB-BD31-4B8C-83A1-F6EECF244321}">
-                <p14:modId xmlns:p14="http://schemas.microsoft.com/office/powerpoint/2010/main" val="225771197"/>
+                <p14:modId xmlns:p14="http://schemas.microsoft.com/office/powerpoint/2010/main" val="3408251810"/>
               </p:ext>
             </p:extLst>
           </p:nvPr>
@@ -34007,12 +34007,16 @@
                     <a:lstStyle/>
                     <a:p>
                       <a:r>
-                        <a:rPr lang="en-US" altLang="zh-CN" dirty="0" smtClean="0"/>
-                        <a:t>12</a:t>
+                        <a:rPr lang="en-US" altLang="zh-CN" smtClean="0"/>
+                        <a:t>8</a:t>
+                      </a:r>
+                      <a:r>
+                        <a:rPr lang="zh-CN" altLang="en-US" smtClean="0"/>
+                        <a:t>分钟</a:t>
                       </a:r>
                       <a:r>
                         <a:rPr lang="zh-CN" altLang="en-US" dirty="0" smtClean="0"/>
-                        <a:t>分钟左右</a:t>
+                        <a:t>左右</a:t>
                       </a:r>
                       <a:endParaRPr lang="zh-CN" altLang="en-US" dirty="0"/>
                     </a:p>
@@ -39136,15 +39140,7 @@
                 <a:ea typeface="微软雅黑" panose="020B0503020204020204" pitchFamily="34" charset="-122"/>
                 <a:cs typeface="+mn-cs"/>
               </a:rPr>
-              <a:t>数据库数据比较</a:t>
-            </a:r>
-            <a:r>
-              <a:rPr lang="zh-CN" altLang="en-US" sz="2400" dirty="0" smtClean="0">
-                <a:latin typeface="微软雅黑" panose="020B0503020204020204" pitchFamily="34" charset="-122"/>
-                <a:ea typeface="微软雅黑" panose="020B0503020204020204" pitchFamily="34" charset="-122"/>
-                <a:cs typeface="+mn-cs"/>
-              </a:rPr>
-              <a:t>工具</a:t>
+              <a:t>数据库数据比较工具</a:t>
             </a:r>
             <a:endParaRPr lang="en-US" altLang="zh-CN" sz="2400" dirty="0" smtClean="0">
               <a:latin typeface="微软雅黑" panose="020B0503020204020204" pitchFamily="34" charset="-122"/>
@@ -39336,15 +39332,7 @@
                 <a:ea typeface="微软雅黑" panose="020B0503020204020204" pitchFamily="34" charset="-122"/>
                 <a:cs typeface="+mn-cs"/>
               </a:rPr>
-              <a:t>数据库数据比较</a:t>
-            </a:r>
-            <a:r>
-              <a:rPr lang="zh-CN" altLang="en-US" sz="2400" dirty="0" smtClean="0">
-                <a:latin typeface="微软雅黑" panose="020B0503020204020204" pitchFamily="34" charset="-122"/>
-                <a:ea typeface="微软雅黑" panose="020B0503020204020204" pitchFamily="34" charset="-122"/>
-                <a:cs typeface="+mn-cs"/>
-              </a:rPr>
-              <a:t>工具</a:t>
+              <a:t>数据库数据比较工具</a:t>
             </a:r>
             <a:endParaRPr lang="en-US" altLang="zh-CN" sz="2400" dirty="0" smtClean="0">
               <a:latin typeface="微软雅黑" panose="020B0503020204020204" pitchFamily="34" charset="-122"/>

--- a/自动化测试解决方案及项目实践.pptx
+++ b/自动化测试解决方案及项目实践.pptx
@@ -14063,986 +14063,6 @@
       <dsp:cNvGrpSpPr/>
     </dsp:nvGrpSpPr>
     <dsp:grpSpPr/>
-    <dsp:sp modelId="{BF7AE658-A268-4642-A08F-092CFF64DA30}">
-      <dsp:nvSpPr>
-        <dsp:cNvPr id="0" name=""/>
-        <dsp:cNvSpPr/>
-      </dsp:nvSpPr>
-      <dsp:spPr>
-        <a:xfrm>
-          <a:off x="0" y="271448"/>
-          <a:ext cx="6216352" cy="352800"/>
-        </a:xfrm>
-        <a:prstGeom prst="rect">
-          <a:avLst/>
-        </a:prstGeom>
-        <a:solidFill>
-          <a:schemeClr val="lt1">
-            <a:alpha val="90000"/>
-            <a:hueOff val="0"/>
-            <a:satOff val="0"/>
-            <a:lumOff val="0"/>
-            <a:alphaOff val="0"/>
-          </a:schemeClr>
-        </a:solidFill>
-        <a:ln w="25400" cap="flat" cmpd="sng" algn="ctr">
-          <a:solidFill>
-            <a:schemeClr val="accent1">
-              <a:hueOff val="0"/>
-              <a:satOff val="0"/>
-              <a:lumOff val="0"/>
-              <a:alphaOff val="0"/>
-            </a:schemeClr>
-          </a:solidFill>
-          <a:prstDash val="solid"/>
-        </a:ln>
-        <a:effectLst/>
-      </dsp:spPr>
-      <dsp:style>
-        <a:lnRef idx="2">
-          <a:scrgbClr r="0" g="0" b="0"/>
-        </a:lnRef>
-        <a:fillRef idx="1">
-          <a:scrgbClr r="0" g="0" b="0"/>
-        </a:fillRef>
-        <a:effectRef idx="0">
-          <a:scrgbClr r="0" g="0" b="0"/>
-        </a:effectRef>
-        <a:fontRef idx="minor"/>
-      </dsp:style>
-    </dsp:sp>
-    <dsp:sp modelId="{81DCBC7C-4093-493E-BF7C-F8DD1FDF089F}">
-      <dsp:nvSpPr>
-        <dsp:cNvPr id="0" name=""/>
-        <dsp:cNvSpPr/>
-      </dsp:nvSpPr>
-      <dsp:spPr>
-        <a:xfrm>
-          <a:off x="310817" y="135517"/>
-          <a:ext cx="4379556" cy="342571"/>
-        </a:xfrm>
-        <a:prstGeom prst="roundRect">
-          <a:avLst/>
-        </a:prstGeom>
-        <a:solidFill>
-          <a:schemeClr val="accent1">
-            <a:hueOff val="0"/>
-            <a:satOff val="0"/>
-            <a:lumOff val="0"/>
-            <a:alphaOff val="0"/>
-          </a:schemeClr>
-        </a:solidFill>
-        <a:ln w="25400" cap="flat" cmpd="sng" algn="ctr">
-          <a:solidFill>
-            <a:schemeClr val="lt1">
-              <a:hueOff val="0"/>
-              <a:satOff val="0"/>
-              <a:lumOff val="0"/>
-              <a:alphaOff val="0"/>
-            </a:schemeClr>
-          </a:solidFill>
-          <a:prstDash val="solid"/>
-        </a:ln>
-        <a:effectLst/>
-      </dsp:spPr>
-      <dsp:style>
-        <a:lnRef idx="2">
-          <a:scrgbClr r="0" g="0" b="0"/>
-        </a:lnRef>
-        <a:fillRef idx="1">
-          <a:scrgbClr r="0" g="0" b="0"/>
-        </a:fillRef>
-        <a:effectRef idx="0">
-          <a:scrgbClr r="0" g="0" b="0"/>
-        </a:effectRef>
-        <a:fontRef idx="minor">
-          <a:schemeClr val="lt1"/>
-        </a:fontRef>
-      </dsp:style>
-      <dsp:txBody>
-        <a:bodyPr spcFirstLastPara="0" vert="horz" wrap="square" lIns="164474" tIns="0" rIns="164474" bIns="0" numCol="1" spcCol="1270" anchor="ctr" anchorCtr="0">
-          <a:noAutofit/>
-        </a:bodyPr>
-        <a:lstStyle/>
-        <a:p>
-          <a:pPr lvl="0" algn="l" defTabSz="711200">
-            <a:lnSpc>
-              <a:spcPct val="90000"/>
-            </a:lnSpc>
-            <a:spcBef>
-              <a:spcPct val="0"/>
-            </a:spcBef>
-            <a:spcAft>
-              <a:spcPct val="35000"/>
-            </a:spcAft>
-          </a:pPr>
-          <a:r>
-            <a:rPr lang="zh-CN" altLang="en-US" sz="1600" b="0" kern="1200" dirty="0" smtClean="0">
-              <a:latin typeface="微软雅黑" panose="020B0503020204020204" pitchFamily="34" charset="-122"/>
-              <a:ea typeface="微软雅黑" panose="020B0503020204020204" pitchFamily="34" charset="-122"/>
-            </a:rPr>
-            <a:t>自动化测试现状及困境</a:t>
-          </a:r>
-          <a:endParaRPr lang="zh-CN" altLang="en-US" sz="1600" b="0" kern="1200" dirty="0">
-            <a:latin typeface="微软雅黑" panose="020B0503020204020204" pitchFamily="34" charset="-122"/>
-            <a:ea typeface="微软雅黑" panose="020B0503020204020204" pitchFamily="34" charset="-122"/>
-          </a:endParaRPr>
-        </a:p>
-      </dsp:txBody>
-      <dsp:txXfrm>
-        <a:off x="327540" y="152240"/>
-        <a:ext cx="4346110" cy="309125"/>
-      </dsp:txXfrm>
-    </dsp:sp>
-    <dsp:sp modelId="{F4464D87-FF02-41E2-A693-E25DEAD8C3B2}">
-      <dsp:nvSpPr>
-        <dsp:cNvPr id="0" name=""/>
-        <dsp:cNvSpPr/>
-      </dsp:nvSpPr>
-      <dsp:spPr>
-        <a:xfrm>
-          <a:off x="0" y="906488"/>
-          <a:ext cx="6216352" cy="352800"/>
-        </a:xfrm>
-        <a:prstGeom prst="rect">
-          <a:avLst/>
-        </a:prstGeom>
-        <a:solidFill>
-          <a:schemeClr val="lt1">
-            <a:alpha val="90000"/>
-            <a:hueOff val="0"/>
-            <a:satOff val="0"/>
-            <a:lumOff val="0"/>
-            <a:alphaOff val="0"/>
-          </a:schemeClr>
-        </a:solidFill>
-        <a:ln w="25400" cap="flat" cmpd="sng" algn="ctr">
-          <a:solidFill>
-            <a:schemeClr val="accent1">
-              <a:hueOff val="0"/>
-              <a:satOff val="0"/>
-              <a:lumOff val="0"/>
-              <a:alphaOff val="0"/>
-            </a:schemeClr>
-          </a:solidFill>
-          <a:prstDash val="solid"/>
-        </a:ln>
-        <a:effectLst/>
-      </dsp:spPr>
-      <dsp:style>
-        <a:lnRef idx="2">
-          <a:scrgbClr r="0" g="0" b="0"/>
-        </a:lnRef>
-        <a:fillRef idx="1">
-          <a:scrgbClr r="0" g="0" b="0"/>
-        </a:fillRef>
-        <a:effectRef idx="0">
-          <a:scrgbClr r="0" g="0" b="0"/>
-        </a:effectRef>
-        <a:fontRef idx="minor"/>
-      </dsp:style>
-    </dsp:sp>
-    <dsp:sp modelId="{AC3D40E7-90AF-4886-995D-C8943970159F}">
-      <dsp:nvSpPr>
-        <dsp:cNvPr id="0" name=""/>
-        <dsp:cNvSpPr/>
-      </dsp:nvSpPr>
-      <dsp:spPr>
-        <a:xfrm>
-          <a:off x="310817" y="699848"/>
-          <a:ext cx="4351446" cy="413280"/>
-        </a:xfrm>
-        <a:prstGeom prst="roundRect">
-          <a:avLst/>
-        </a:prstGeom>
-        <a:solidFill>
-          <a:schemeClr val="accent1">
-            <a:hueOff val="0"/>
-            <a:satOff val="0"/>
-            <a:lumOff val="0"/>
-            <a:alphaOff val="0"/>
-          </a:schemeClr>
-        </a:solidFill>
-        <a:ln w="25400" cap="flat" cmpd="sng" algn="ctr">
-          <a:solidFill>
-            <a:schemeClr val="lt1">
-              <a:hueOff val="0"/>
-              <a:satOff val="0"/>
-              <a:lumOff val="0"/>
-              <a:alphaOff val="0"/>
-            </a:schemeClr>
-          </a:solidFill>
-          <a:prstDash val="solid"/>
-        </a:ln>
-        <a:effectLst/>
-      </dsp:spPr>
-      <dsp:style>
-        <a:lnRef idx="2">
-          <a:scrgbClr r="0" g="0" b="0"/>
-        </a:lnRef>
-        <a:fillRef idx="1">
-          <a:scrgbClr r="0" g="0" b="0"/>
-        </a:fillRef>
-        <a:effectRef idx="0">
-          <a:scrgbClr r="0" g="0" b="0"/>
-        </a:effectRef>
-        <a:fontRef idx="minor">
-          <a:schemeClr val="lt1"/>
-        </a:fontRef>
-      </dsp:style>
-      <dsp:txBody>
-        <a:bodyPr spcFirstLastPara="0" vert="horz" wrap="square" lIns="164474" tIns="0" rIns="164474" bIns="0" numCol="1" spcCol="1270" anchor="ctr" anchorCtr="0">
-          <a:noAutofit/>
-        </a:bodyPr>
-        <a:lstStyle/>
-        <a:p>
-          <a:pPr lvl="0" algn="l" defTabSz="711200">
-            <a:lnSpc>
-              <a:spcPct val="90000"/>
-            </a:lnSpc>
-            <a:spcBef>
-              <a:spcPct val="0"/>
-            </a:spcBef>
-            <a:spcAft>
-              <a:spcPct val="35000"/>
-            </a:spcAft>
-          </a:pPr>
-          <a:r>
-            <a:rPr lang="zh-CN" altLang="en-US" sz="1600" b="0" kern="1200" dirty="0" smtClean="0">
-              <a:latin typeface="微软雅黑" panose="020B0503020204020204" pitchFamily="34" charset="-122"/>
-              <a:ea typeface="微软雅黑" panose="020B0503020204020204" pitchFamily="34" charset="-122"/>
-            </a:rPr>
-            <a:t>自动化测试解决方案</a:t>
-          </a:r>
-          <a:endParaRPr lang="zh-CN" altLang="en-US" sz="1600" b="0" kern="1200" dirty="0">
-            <a:latin typeface="微软雅黑" panose="020B0503020204020204" pitchFamily="34" charset="-122"/>
-            <a:ea typeface="微软雅黑" panose="020B0503020204020204" pitchFamily="34" charset="-122"/>
-          </a:endParaRPr>
-        </a:p>
-      </dsp:txBody>
-      <dsp:txXfrm>
-        <a:off x="330992" y="720023"/>
-        <a:ext cx="4311096" cy="372930"/>
-      </dsp:txXfrm>
-    </dsp:sp>
-    <dsp:sp modelId="{F6E36D75-F789-4D24-9687-EEEB5F6CD401}">
-      <dsp:nvSpPr>
-        <dsp:cNvPr id="0" name=""/>
-        <dsp:cNvSpPr/>
-      </dsp:nvSpPr>
-      <dsp:spPr>
-        <a:xfrm>
-          <a:off x="0" y="1541528"/>
-          <a:ext cx="6216352" cy="352800"/>
-        </a:xfrm>
-        <a:prstGeom prst="rect">
-          <a:avLst/>
-        </a:prstGeom>
-        <a:solidFill>
-          <a:schemeClr val="lt1">
-            <a:alpha val="90000"/>
-            <a:hueOff val="0"/>
-            <a:satOff val="0"/>
-            <a:lumOff val="0"/>
-            <a:alphaOff val="0"/>
-          </a:schemeClr>
-        </a:solidFill>
-        <a:ln w="25400" cap="flat" cmpd="sng" algn="ctr">
-          <a:solidFill>
-            <a:schemeClr val="accent1">
-              <a:hueOff val="0"/>
-              <a:satOff val="0"/>
-              <a:lumOff val="0"/>
-              <a:alphaOff val="0"/>
-            </a:schemeClr>
-          </a:solidFill>
-          <a:prstDash val="solid"/>
-        </a:ln>
-        <a:effectLst/>
-      </dsp:spPr>
-      <dsp:style>
-        <a:lnRef idx="2">
-          <a:scrgbClr r="0" g="0" b="0"/>
-        </a:lnRef>
-        <a:fillRef idx="1">
-          <a:scrgbClr r="0" g="0" b="0"/>
-        </a:fillRef>
-        <a:effectRef idx="0">
-          <a:scrgbClr r="0" g="0" b="0"/>
-        </a:effectRef>
-        <a:fontRef idx="minor"/>
-      </dsp:style>
-    </dsp:sp>
-    <dsp:sp modelId="{BDA32C02-2D99-4B20-9E50-A46D858F5493}">
-      <dsp:nvSpPr>
-        <dsp:cNvPr id="0" name=""/>
-        <dsp:cNvSpPr/>
-      </dsp:nvSpPr>
-      <dsp:spPr>
-        <a:xfrm>
-          <a:off x="310817" y="1334888"/>
-          <a:ext cx="4351446" cy="413280"/>
-        </a:xfrm>
-        <a:prstGeom prst="roundRect">
-          <a:avLst/>
-        </a:prstGeom>
-        <a:solidFill>
-          <a:schemeClr val="accent1">
-            <a:hueOff val="0"/>
-            <a:satOff val="0"/>
-            <a:lumOff val="0"/>
-            <a:alphaOff val="0"/>
-          </a:schemeClr>
-        </a:solidFill>
-        <a:ln w="25400" cap="flat" cmpd="sng" algn="ctr">
-          <a:solidFill>
-            <a:schemeClr val="lt1">
-              <a:hueOff val="0"/>
-              <a:satOff val="0"/>
-              <a:lumOff val="0"/>
-              <a:alphaOff val="0"/>
-            </a:schemeClr>
-          </a:solidFill>
-          <a:prstDash val="solid"/>
-        </a:ln>
-        <a:effectLst/>
-      </dsp:spPr>
-      <dsp:style>
-        <a:lnRef idx="2">
-          <a:scrgbClr r="0" g="0" b="0"/>
-        </a:lnRef>
-        <a:fillRef idx="1">
-          <a:scrgbClr r="0" g="0" b="0"/>
-        </a:fillRef>
-        <a:effectRef idx="0">
-          <a:scrgbClr r="0" g="0" b="0"/>
-        </a:effectRef>
-        <a:fontRef idx="minor">
-          <a:schemeClr val="lt1"/>
-        </a:fontRef>
-      </dsp:style>
-      <dsp:txBody>
-        <a:bodyPr spcFirstLastPara="0" vert="horz" wrap="square" lIns="164474" tIns="0" rIns="164474" bIns="0" numCol="1" spcCol="1270" anchor="ctr" anchorCtr="0">
-          <a:noAutofit/>
-        </a:bodyPr>
-        <a:lstStyle/>
-        <a:p>
-          <a:pPr lvl="0" algn="l" defTabSz="711200">
-            <a:lnSpc>
-              <a:spcPct val="90000"/>
-            </a:lnSpc>
-            <a:spcBef>
-              <a:spcPct val="0"/>
-            </a:spcBef>
-            <a:spcAft>
-              <a:spcPct val="35000"/>
-            </a:spcAft>
-          </a:pPr>
-          <a:r>
-            <a:rPr lang="zh-CN" altLang="en-US" sz="1600" kern="1200" dirty="0" smtClean="0">
-              <a:latin typeface="微软雅黑" panose="020B0503020204020204" pitchFamily="34" charset="-122"/>
-              <a:ea typeface="微软雅黑" panose="020B0503020204020204" pitchFamily="34" charset="-122"/>
-            </a:rPr>
-            <a:t>与 </a:t>
-          </a:r>
-          <a:r>
-            <a:rPr lang="en-US" altLang="en-US" sz="1600" kern="1200" dirty="0" smtClean="0">
-              <a:latin typeface="微软雅黑" panose="020B0503020204020204" pitchFamily="34" charset="-122"/>
-              <a:ea typeface="微软雅黑" panose="020B0503020204020204" pitchFamily="34" charset="-122"/>
-            </a:rPr>
-            <a:t>TFS </a:t>
-          </a:r>
-          <a:r>
-            <a:rPr lang="zh-CN" altLang="en-US" sz="1600" kern="1200" dirty="0" smtClean="0">
-              <a:latin typeface="微软雅黑" panose="020B0503020204020204" pitchFamily="34" charset="-122"/>
-              <a:ea typeface="微软雅黑" panose="020B0503020204020204" pitchFamily="34" charset="-122"/>
-            </a:rPr>
-            <a:t>集成</a:t>
-          </a:r>
-          <a:endParaRPr lang="zh-CN" altLang="en-US" sz="1600" b="0" kern="1200" dirty="0">
-            <a:latin typeface="微软雅黑" panose="020B0503020204020204" pitchFamily="34" charset="-122"/>
-            <a:ea typeface="微软雅黑" panose="020B0503020204020204" pitchFamily="34" charset="-122"/>
-          </a:endParaRPr>
-        </a:p>
-      </dsp:txBody>
-      <dsp:txXfrm>
-        <a:off x="330992" y="1355063"/>
-        <a:ext cx="4311096" cy="372930"/>
-      </dsp:txXfrm>
-    </dsp:sp>
-    <dsp:sp modelId="{D3F0FD15-2EC1-45A0-90AD-28E75B5A6CBF}">
-      <dsp:nvSpPr>
-        <dsp:cNvPr id="0" name=""/>
-        <dsp:cNvSpPr/>
-      </dsp:nvSpPr>
-      <dsp:spPr>
-        <a:xfrm>
-          <a:off x="0" y="2176568"/>
-          <a:ext cx="6216352" cy="1323000"/>
-        </a:xfrm>
-        <a:prstGeom prst="rect">
-          <a:avLst/>
-        </a:prstGeom>
-        <a:solidFill>
-          <a:schemeClr val="lt1">
-            <a:alpha val="90000"/>
-            <a:hueOff val="0"/>
-            <a:satOff val="0"/>
-            <a:lumOff val="0"/>
-            <a:alphaOff val="0"/>
-          </a:schemeClr>
-        </a:solidFill>
-        <a:ln w="25400" cap="flat" cmpd="sng" algn="ctr">
-          <a:solidFill>
-            <a:schemeClr val="accent1">
-              <a:hueOff val="0"/>
-              <a:satOff val="0"/>
-              <a:lumOff val="0"/>
-              <a:alphaOff val="0"/>
-            </a:schemeClr>
-          </a:solidFill>
-          <a:prstDash val="solid"/>
-        </a:ln>
-        <a:effectLst/>
-      </dsp:spPr>
-      <dsp:style>
-        <a:lnRef idx="2">
-          <a:scrgbClr r="0" g="0" b="0"/>
-        </a:lnRef>
-        <a:fillRef idx="1">
-          <a:scrgbClr r="0" g="0" b="0"/>
-        </a:fillRef>
-        <a:effectRef idx="0">
-          <a:scrgbClr r="0" g="0" b="0"/>
-        </a:effectRef>
-        <a:fontRef idx="minor"/>
-      </dsp:style>
-      <dsp:txBody>
-        <a:bodyPr spcFirstLastPara="0" vert="horz" wrap="square" lIns="482458" tIns="291592" rIns="482458" bIns="99568" numCol="1" spcCol="1270" anchor="t" anchorCtr="0">
-          <a:noAutofit/>
-        </a:bodyPr>
-        <a:lstStyle/>
-        <a:p>
-          <a:pPr marL="114300" lvl="1" indent="-114300" algn="l" defTabSz="622300">
-            <a:lnSpc>
-              <a:spcPct val="90000"/>
-            </a:lnSpc>
-            <a:spcBef>
-              <a:spcPct val="0"/>
-            </a:spcBef>
-            <a:spcAft>
-              <a:spcPct val="15000"/>
-            </a:spcAft>
-            <a:buChar char="••"/>
-          </a:pPr>
-          <a:r>
-            <a:rPr lang="zh-CN" altLang="en-US" sz="1400" kern="1200" dirty="0" smtClean="0">
-              <a:latin typeface="微软雅黑" panose="020B0503020204020204" pitchFamily="34" charset="-122"/>
-              <a:ea typeface="微软雅黑" panose="020B0503020204020204" pitchFamily="34" charset="-122"/>
-            </a:rPr>
-            <a:t>网上交易 </a:t>
-          </a:r>
-          <a:r>
-            <a:rPr lang="en-US" altLang="zh-CN" sz="1400" kern="1200" dirty="0" smtClean="0">
-              <a:latin typeface="微软雅黑" panose="020B0503020204020204" pitchFamily="34" charset="-122"/>
-              <a:ea typeface="微软雅黑" panose="020B0503020204020204" pitchFamily="34" charset="-122"/>
-            </a:rPr>
-            <a:t>Web </a:t>
-          </a:r>
-          <a:r>
-            <a:rPr lang="zh-CN" altLang="en-US" sz="1400" kern="1200" dirty="0" smtClean="0">
-              <a:latin typeface="微软雅黑" panose="020B0503020204020204" pitchFamily="34" charset="-122"/>
-              <a:ea typeface="微软雅黑" panose="020B0503020204020204" pitchFamily="34" charset="-122"/>
-            </a:rPr>
-            <a:t>自动化测试</a:t>
-          </a:r>
-          <a:endParaRPr lang="zh-CN" altLang="en-US" sz="1400" kern="1200" dirty="0">
-            <a:latin typeface="微软雅黑" panose="020B0503020204020204" pitchFamily="34" charset="-122"/>
-            <a:ea typeface="微软雅黑" panose="020B0503020204020204" pitchFamily="34" charset="-122"/>
-          </a:endParaRPr>
-        </a:p>
-        <a:p>
-          <a:pPr marL="114300" lvl="1" indent="-114300" algn="l" defTabSz="622300">
-            <a:lnSpc>
-              <a:spcPct val="90000"/>
-            </a:lnSpc>
-            <a:spcBef>
-              <a:spcPct val="0"/>
-            </a:spcBef>
-            <a:spcAft>
-              <a:spcPct val="15000"/>
-            </a:spcAft>
-            <a:buChar char="••"/>
-          </a:pPr>
-          <a:r>
-            <a:rPr lang="zh-CN" altLang="en-US" sz="1400" kern="1200" dirty="0" smtClean="0">
-              <a:latin typeface="微软雅黑" panose="020B0503020204020204" pitchFamily="34" charset="-122"/>
-              <a:ea typeface="微软雅黑" panose="020B0503020204020204" pitchFamily="34" charset="-122"/>
-            </a:rPr>
-            <a:t>监控平台接口测试</a:t>
-          </a:r>
-          <a:endParaRPr lang="zh-CN" altLang="en-US" sz="1400" kern="1200" dirty="0">
-            <a:latin typeface="微软雅黑" panose="020B0503020204020204" pitchFamily="34" charset="-122"/>
-            <a:ea typeface="微软雅黑" panose="020B0503020204020204" pitchFamily="34" charset="-122"/>
-          </a:endParaRPr>
-        </a:p>
-        <a:p>
-          <a:pPr marL="114300" lvl="1" indent="-114300" algn="l" defTabSz="622300">
-            <a:lnSpc>
-              <a:spcPct val="90000"/>
-            </a:lnSpc>
-            <a:spcBef>
-              <a:spcPct val="0"/>
-            </a:spcBef>
-            <a:spcAft>
-              <a:spcPct val="15000"/>
-            </a:spcAft>
-            <a:buChar char="••"/>
-          </a:pPr>
-          <a:r>
-            <a:rPr lang="en-US" altLang="zh-CN" sz="1400" kern="1200" dirty="0" smtClean="0">
-              <a:latin typeface="微软雅黑" panose="020B0503020204020204" pitchFamily="34" charset="-122"/>
-              <a:ea typeface="微软雅黑" panose="020B0503020204020204" pitchFamily="34" charset="-122"/>
-            </a:rPr>
-            <a:t>SonarQube </a:t>
-          </a:r>
-          <a:r>
-            <a:rPr lang="zh-CN" altLang="en-US" sz="1400" kern="1200" dirty="0" smtClean="0">
-              <a:latin typeface="微软雅黑" panose="020B0503020204020204" pitchFamily="34" charset="-122"/>
-              <a:ea typeface="微软雅黑" panose="020B0503020204020204" pitchFamily="34" charset="-122"/>
-            </a:rPr>
-            <a:t>代码检查</a:t>
-          </a:r>
-          <a:endParaRPr lang="zh-CN" altLang="en-US" sz="1400" kern="1200" dirty="0">
-            <a:latin typeface="微软雅黑" panose="020B0503020204020204" pitchFamily="34" charset="-122"/>
-            <a:ea typeface="微软雅黑" panose="020B0503020204020204" pitchFamily="34" charset="-122"/>
-          </a:endParaRPr>
-        </a:p>
-      </dsp:txBody>
-      <dsp:txXfrm>
-        <a:off x="0" y="2176568"/>
-        <a:ext cx="6216352" cy="1323000"/>
-      </dsp:txXfrm>
-    </dsp:sp>
-    <dsp:sp modelId="{05A82550-545C-4FC0-8EE2-C8A77E100EBE}">
-      <dsp:nvSpPr>
-        <dsp:cNvPr id="0" name=""/>
-        <dsp:cNvSpPr/>
-      </dsp:nvSpPr>
-      <dsp:spPr>
-        <a:xfrm>
-          <a:off x="310817" y="1969928"/>
-          <a:ext cx="4351446" cy="413280"/>
-        </a:xfrm>
-        <a:prstGeom prst="roundRect">
-          <a:avLst/>
-        </a:prstGeom>
-        <a:solidFill>
-          <a:schemeClr val="accent1">
-            <a:hueOff val="0"/>
-            <a:satOff val="0"/>
-            <a:lumOff val="0"/>
-            <a:alphaOff val="0"/>
-          </a:schemeClr>
-        </a:solidFill>
-        <a:ln w="25400" cap="flat" cmpd="sng" algn="ctr">
-          <a:solidFill>
-            <a:schemeClr val="lt1">
-              <a:hueOff val="0"/>
-              <a:satOff val="0"/>
-              <a:lumOff val="0"/>
-              <a:alphaOff val="0"/>
-            </a:schemeClr>
-          </a:solidFill>
-          <a:prstDash val="solid"/>
-        </a:ln>
-        <a:effectLst/>
-      </dsp:spPr>
-      <dsp:style>
-        <a:lnRef idx="2">
-          <a:scrgbClr r="0" g="0" b="0"/>
-        </a:lnRef>
-        <a:fillRef idx="1">
-          <a:scrgbClr r="0" g="0" b="0"/>
-        </a:fillRef>
-        <a:effectRef idx="0">
-          <a:scrgbClr r="0" g="0" b="0"/>
-        </a:effectRef>
-        <a:fontRef idx="minor">
-          <a:schemeClr val="lt1"/>
-        </a:fontRef>
-      </dsp:style>
-      <dsp:txBody>
-        <a:bodyPr spcFirstLastPara="0" vert="horz" wrap="square" lIns="164474" tIns="0" rIns="164474" bIns="0" numCol="1" spcCol="1270" anchor="ctr" anchorCtr="0">
-          <a:noAutofit/>
-        </a:bodyPr>
-        <a:lstStyle/>
-        <a:p>
-          <a:pPr lvl="0" algn="l" defTabSz="711200">
-            <a:lnSpc>
-              <a:spcPct val="90000"/>
-            </a:lnSpc>
-            <a:spcBef>
-              <a:spcPct val="0"/>
-            </a:spcBef>
-            <a:spcAft>
-              <a:spcPct val="35000"/>
-            </a:spcAft>
-          </a:pPr>
-          <a:r>
-            <a:rPr lang="zh-CN" altLang="en-US" sz="1600" kern="1200" dirty="0" smtClean="0">
-              <a:latin typeface="微软雅黑" panose="020B0503020204020204" pitchFamily="34" charset="-122"/>
-              <a:ea typeface="微软雅黑" panose="020B0503020204020204" pitchFamily="34" charset="-122"/>
-            </a:rPr>
-            <a:t>项目实践</a:t>
-          </a:r>
-          <a:endParaRPr lang="zh-CN" altLang="en-US" sz="1600" kern="1200" dirty="0">
-            <a:latin typeface="微软雅黑" panose="020B0503020204020204" pitchFamily="34" charset="-122"/>
-            <a:ea typeface="微软雅黑" panose="020B0503020204020204" pitchFamily="34" charset="-122"/>
-          </a:endParaRPr>
-        </a:p>
-      </dsp:txBody>
-      <dsp:txXfrm>
-        <a:off x="330992" y="1990103"/>
-        <a:ext cx="4311096" cy="372930"/>
-      </dsp:txXfrm>
-    </dsp:sp>
-    <dsp:sp modelId="{1CB84430-7D41-4197-BD1E-C840DE83478E}">
-      <dsp:nvSpPr>
-        <dsp:cNvPr id="0" name=""/>
-        <dsp:cNvSpPr/>
-      </dsp:nvSpPr>
-      <dsp:spPr>
-        <a:xfrm>
-          <a:off x="0" y="3781808"/>
-          <a:ext cx="6216352" cy="352800"/>
-        </a:xfrm>
-        <a:prstGeom prst="rect">
-          <a:avLst/>
-        </a:prstGeom>
-        <a:solidFill>
-          <a:schemeClr val="lt1">
-            <a:alpha val="90000"/>
-            <a:hueOff val="0"/>
-            <a:satOff val="0"/>
-            <a:lumOff val="0"/>
-            <a:alphaOff val="0"/>
-          </a:schemeClr>
-        </a:solidFill>
-        <a:ln w="25400" cap="flat" cmpd="sng" algn="ctr">
-          <a:solidFill>
-            <a:schemeClr val="accent1">
-              <a:hueOff val="0"/>
-              <a:satOff val="0"/>
-              <a:lumOff val="0"/>
-              <a:alphaOff val="0"/>
-            </a:schemeClr>
-          </a:solidFill>
-          <a:prstDash val="solid"/>
-        </a:ln>
-        <a:effectLst/>
-      </dsp:spPr>
-      <dsp:style>
-        <a:lnRef idx="2">
-          <a:scrgbClr r="0" g="0" b="0"/>
-        </a:lnRef>
-        <a:fillRef idx="1">
-          <a:scrgbClr r="0" g="0" b="0"/>
-        </a:fillRef>
-        <a:effectRef idx="0">
-          <a:scrgbClr r="0" g="0" b="0"/>
-        </a:effectRef>
-        <a:fontRef idx="minor"/>
-      </dsp:style>
-    </dsp:sp>
-    <dsp:sp modelId="{0A539BE3-B914-4FD4-9189-E8FEF077789E}">
-      <dsp:nvSpPr>
-        <dsp:cNvPr id="0" name=""/>
-        <dsp:cNvSpPr/>
-      </dsp:nvSpPr>
-      <dsp:spPr>
-        <a:xfrm>
-          <a:off x="310817" y="3575168"/>
-          <a:ext cx="4639512" cy="413280"/>
-        </a:xfrm>
-        <a:prstGeom prst="roundRect">
-          <a:avLst/>
-        </a:prstGeom>
-        <a:solidFill>
-          <a:schemeClr val="accent1">
-            <a:hueOff val="0"/>
-            <a:satOff val="0"/>
-            <a:lumOff val="0"/>
-            <a:alphaOff val="0"/>
-          </a:schemeClr>
-        </a:solidFill>
-        <a:ln w="25400" cap="flat" cmpd="sng" algn="ctr">
-          <a:solidFill>
-            <a:schemeClr val="lt1">
-              <a:hueOff val="0"/>
-              <a:satOff val="0"/>
-              <a:lumOff val="0"/>
-              <a:alphaOff val="0"/>
-            </a:schemeClr>
-          </a:solidFill>
-          <a:prstDash val="solid"/>
-        </a:ln>
-        <a:effectLst/>
-      </dsp:spPr>
-      <dsp:style>
-        <a:lnRef idx="2">
-          <a:scrgbClr r="0" g="0" b="0"/>
-        </a:lnRef>
-        <a:fillRef idx="1">
-          <a:scrgbClr r="0" g="0" b="0"/>
-        </a:fillRef>
-        <a:effectRef idx="0">
-          <a:scrgbClr r="0" g="0" b="0"/>
-        </a:effectRef>
-        <a:fontRef idx="minor">
-          <a:schemeClr val="lt1"/>
-        </a:fontRef>
-      </dsp:style>
-      <dsp:txBody>
-        <a:bodyPr spcFirstLastPara="0" vert="horz" wrap="square" lIns="164474" tIns="0" rIns="164474" bIns="0" numCol="1" spcCol="1270" anchor="ctr" anchorCtr="0">
-          <a:noAutofit/>
-        </a:bodyPr>
-        <a:lstStyle/>
-        <a:p>
-          <a:pPr lvl="0" algn="l" defTabSz="1066800">
-            <a:lnSpc>
-              <a:spcPct val="90000"/>
-            </a:lnSpc>
-            <a:spcBef>
-              <a:spcPct val="0"/>
-            </a:spcBef>
-            <a:spcAft>
-              <a:spcPct val="35000"/>
-            </a:spcAft>
-          </a:pPr>
-          <a:r>
-            <a:rPr lang="zh-CN" altLang="en-US" sz="2400" b="1" kern="1200" dirty="0" smtClean="0">
-              <a:latin typeface="微软雅黑" panose="020B0503020204020204" pitchFamily="34" charset="-122"/>
-              <a:ea typeface="微软雅黑" panose="020B0503020204020204" pitchFamily="34" charset="-122"/>
-            </a:rPr>
-            <a:t>自动化测试在 </a:t>
-          </a:r>
-          <a:r>
-            <a:rPr lang="en-US" sz="2400" b="1" kern="1200" dirty="0" smtClean="0">
-              <a:latin typeface="微软雅黑" panose="020B0503020204020204" pitchFamily="34" charset="-122"/>
-              <a:ea typeface="微软雅黑" panose="020B0503020204020204" pitchFamily="34" charset="-122"/>
-            </a:rPr>
-            <a:t>DevOps </a:t>
-          </a:r>
-          <a:r>
-            <a:rPr lang="zh-CN" altLang="en-US" sz="2400" b="1" kern="1200" dirty="0" smtClean="0">
-              <a:latin typeface="微软雅黑" panose="020B0503020204020204" pitchFamily="34" charset="-122"/>
-              <a:ea typeface="微软雅黑" panose="020B0503020204020204" pitchFamily="34" charset="-122"/>
-            </a:rPr>
-            <a:t>中运用</a:t>
-          </a:r>
-          <a:endParaRPr lang="zh-CN" altLang="en-US" sz="2400" b="1" kern="1200" dirty="0">
-            <a:latin typeface="微软雅黑" panose="020B0503020204020204" pitchFamily="34" charset="-122"/>
-            <a:ea typeface="微软雅黑" panose="020B0503020204020204" pitchFamily="34" charset="-122"/>
-          </a:endParaRPr>
-        </a:p>
-      </dsp:txBody>
-      <dsp:txXfrm>
-        <a:off x="330992" y="3595343"/>
-        <a:ext cx="4599162" cy="372930"/>
-      </dsp:txXfrm>
-    </dsp:sp>
-    <dsp:sp modelId="{3EC82740-746E-4D46-A485-1E4657468B33}">
-      <dsp:nvSpPr>
-        <dsp:cNvPr id="0" name=""/>
-        <dsp:cNvSpPr/>
-      </dsp:nvSpPr>
-      <dsp:spPr>
-        <a:xfrm>
-          <a:off x="0" y="4416848"/>
-          <a:ext cx="6216352" cy="992250"/>
-        </a:xfrm>
-        <a:prstGeom prst="rect">
-          <a:avLst/>
-        </a:prstGeom>
-        <a:solidFill>
-          <a:schemeClr val="lt1">
-            <a:alpha val="90000"/>
-            <a:hueOff val="0"/>
-            <a:satOff val="0"/>
-            <a:lumOff val="0"/>
-            <a:alphaOff val="0"/>
-          </a:schemeClr>
-        </a:solidFill>
-        <a:ln w="25400" cap="flat" cmpd="sng" algn="ctr">
-          <a:solidFill>
-            <a:schemeClr val="accent1">
-              <a:hueOff val="0"/>
-              <a:satOff val="0"/>
-              <a:lumOff val="0"/>
-              <a:alphaOff val="0"/>
-            </a:schemeClr>
-          </a:solidFill>
-          <a:prstDash val="solid"/>
-        </a:ln>
-        <a:effectLst/>
-      </dsp:spPr>
-      <dsp:style>
-        <a:lnRef idx="2">
-          <a:scrgbClr r="0" g="0" b="0"/>
-        </a:lnRef>
-        <a:fillRef idx="1">
-          <a:scrgbClr r="0" g="0" b="0"/>
-        </a:fillRef>
-        <a:effectRef idx="0">
-          <a:scrgbClr r="0" g="0" b="0"/>
-        </a:effectRef>
-        <a:fontRef idx="minor"/>
-      </dsp:style>
-      <dsp:txBody>
-        <a:bodyPr spcFirstLastPara="0" vert="horz" wrap="square" lIns="482458" tIns="291592" rIns="482458" bIns="99568" numCol="1" spcCol="1270" anchor="t" anchorCtr="0">
-          <a:noAutofit/>
-        </a:bodyPr>
-        <a:lstStyle/>
-        <a:p>
-          <a:pPr marL="114300" lvl="1" indent="-114300" algn="l" defTabSz="622300">
-            <a:lnSpc>
-              <a:spcPct val="90000"/>
-            </a:lnSpc>
-            <a:spcBef>
-              <a:spcPct val="0"/>
-            </a:spcBef>
-            <a:spcAft>
-              <a:spcPct val="15000"/>
-            </a:spcAft>
-            <a:buChar char="••"/>
-          </a:pPr>
-          <a:r>
-            <a:rPr lang="zh-CN" altLang="en-US" sz="1400" kern="1200" dirty="0" smtClean="0">
-              <a:latin typeface="微软雅黑" panose="020B0503020204020204" pitchFamily="34" charset="-122"/>
-              <a:ea typeface="微软雅黑" panose="020B0503020204020204" pitchFamily="34" charset="-122"/>
-            </a:rPr>
-            <a:t>辅助脚本</a:t>
-          </a:r>
-          <a:endParaRPr lang="zh-CN" altLang="en-US" sz="1400" kern="1200" dirty="0">
-            <a:latin typeface="微软雅黑" panose="020B0503020204020204" pitchFamily="34" charset="-122"/>
-            <a:ea typeface="微软雅黑" panose="020B0503020204020204" pitchFamily="34" charset="-122"/>
-          </a:endParaRPr>
-        </a:p>
-        <a:p>
-          <a:pPr marL="114300" lvl="1" indent="-114300" algn="l" defTabSz="622300">
-            <a:lnSpc>
-              <a:spcPct val="90000"/>
-            </a:lnSpc>
-            <a:spcBef>
-              <a:spcPct val="0"/>
-            </a:spcBef>
-            <a:spcAft>
-              <a:spcPct val="15000"/>
-            </a:spcAft>
-            <a:buChar char="••"/>
-          </a:pPr>
-          <a:r>
-            <a:rPr lang="zh-CN" altLang="en-US" sz="1400" kern="1200" dirty="0" smtClean="0">
-              <a:latin typeface="微软雅黑" panose="020B0503020204020204" pitchFamily="34" charset="-122"/>
-              <a:ea typeface="微软雅黑" panose="020B0503020204020204" pitchFamily="34" charset="-122"/>
-            </a:rPr>
-            <a:t>专项工具</a:t>
-          </a:r>
-          <a:endParaRPr lang="zh-CN" altLang="en-US" sz="1400" kern="1200" dirty="0">
-            <a:latin typeface="微软雅黑" panose="020B0503020204020204" pitchFamily="34" charset="-122"/>
-            <a:ea typeface="微软雅黑" panose="020B0503020204020204" pitchFamily="34" charset="-122"/>
-          </a:endParaRPr>
-        </a:p>
-      </dsp:txBody>
-      <dsp:txXfrm>
-        <a:off x="0" y="4416848"/>
-        <a:ext cx="6216352" cy="992250"/>
-      </dsp:txXfrm>
-    </dsp:sp>
-    <dsp:sp modelId="{D5C7B5B1-B4C8-48EF-8E16-A8135CFDC116}">
-      <dsp:nvSpPr>
-        <dsp:cNvPr id="0" name=""/>
-        <dsp:cNvSpPr/>
-      </dsp:nvSpPr>
-      <dsp:spPr>
-        <a:xfrm>
-          <a:off x="310817" y="4210208"/>
-          <a:ext cx="4351446" cy="413280"/>
-        </a:xfrm>
-        <a:prstGeom prst="roundRect">
-          <a:avLst/>
-        </a:prstGeom>
-        <a:solidFill>
-          <a:schemeClr val="accent1">
-            <a:hueOff val="0"/>
-            <a:satOff val="0"/>
-            <a:lumOff val="0"/>
-            <a:alphaOff val="0"/>
-          </a:schemeClr>
-        </a:solidFill>
-        <a:ln w="25400" cap="flat" cmpd="sng" algn="ctr">
-          <a:solidFill>
-            <a:schemeClr val="lt1">
-              <a:hueOff val="0"/>
-              <a:satOff val="0"/>
-              <a:lumOff val="0"/>
-              <a:alphaOff val="0"/>
-            </a:schemeClr>
-          </a:solidFill>
-          <a:prstDash val="solid"/>
-        </a:ln>
-        <a:effectLst/>
-      </dsp:spPr>
-      <dsp:style>
-        <a:lnRef idx="2">
-          <a:scrgbClr r="0" g="0" b="0"/>
-        </a:lnRef>
-        <a:fillRef idx="1">
-          <a:scrgbClr r="0" g="0" b="0"/>
-        </a:fillRef>
-        <a:effectRef idx="0">
-          <a:scrgbClr r="0" g="0" b="0"/>
-        </a:effectRef>
-        <a:fontRef idx="minor">
-          <a:schemeClr val="lt1"/>
-        </a:fontRef>
-      </dsp:style>
-      <dsp:txBody>
-        <a:bodyPr spcFirstLastPara="0" vert="horz" wrap="square" lIns="164474" tIns="0" rIns="164474" bIns="0" numCol="1" spcCol="1270" anchor="ctr" anchorCtr="0">
-          <a:noAutofit/>
-        </a:bodyPr>
-        <a:lstStyle/>
-        <a:p>
-          <a:pPr lvl="0" algn="l" defTabSz="711200">
-            <a:lnSpc>
-              <a:spcPct val="90000"/>
-            </a:lnSpc>
-            <a:spcBef>
-              <a:spcPct val="0"/>
-            </a:spcBef>
-            <a:spcAft>
-              <a:spcPct val="35000"/>
-            </a:spcAft>
-          </a:pPr>
-          <a:r>
-            <a:rPr lang="zh-CN" altLang="en-US" sz="1600" kern="1200" dirty="0" smtClean="0">
-              <a:latin typeface="微软雅黑" panose="020B0503020204020204" pitchFamily="34" charset="-122"/>
-              <a:ea typeface="微软雅黑" panose="020B0503020204020204" pitchFamily="34" charset="-122"/>
-            </a:rPr>
-            <a:t>工具开发</a:t>
-          </a:r>
-          <a:endParaRPr lang="zh-CN" altLang="en-US" sz="1600" kern="1200" dirty="0">
-            <a:latin typeface="微软雅黑" panose="020B0503020204020204" pitchFamily="34" charset="-122"/>
-            <a:ea typeface="微软雅黑" panose="020B0503020204020204" pitchFamily="34" charset="-122"/>
-          </a:endParaRPr>
-        </a:p>
-      </dsp:txBody>
-      <dsp:txXfrm>
-        <a:off x="330992" y="4230383"/>
-        <a:ext cx="4311096" cy="372930"/>
-      </dsp:txXfrm>
-    </dsp:sp>
   </dsp:spTree>
 </dsp:drawing>
 </file>
@@ -15055,986 +14075,6 @@
       <dsp:cNvGrpSpPr/>
     </dsp:nvGrpSpPr>
     <dsp:grpSpPr/>
-    <dsp:sp modelId="{BF7AE658-A268-4642-A08F-092CFF64DA30}">
-      <dsp:nvSpPr>
-        <dsp:cNvPr id="0" name=""/>
-        <dsp:cNvSpPr/>
-      </dsp:nvSpPr>
-      <dsp:spPr>
-        <a:xfrm>
-          <a:off x="0" y="271448"/>
-          <a:ext cx="6216352" cy="352800"/>
-        </a:xfrm>
-        <a:prstGeom prst="rect">
-          <a:avLst/>
-        </a:prstGeom>
-        <a:solidFill>
-          <a:schemeClr val="lt1">
-            <a:alpha val="90000"/>
-            <a:hueOff val="0"/>
-            <a:satOff val="0"/>
-            <a:lumOff val="0"/>
-            <a:alphaOff val="0"/>
-          </a:schemeClr>
-        </a:solidFill>
-        <a:ln w="25400" cap="flat" cmpd="sng" algn="ctr">
-          <a:solidFill>
-            <a:schemeClr val="accent1">
-              <a:hueOff val="0"/>
-              <a:satOff val="0"/>
-              <a:lumOff val="0"/>
-              <a:alphaOff val="0"/>
-            </a:schemeClr>
-          </a:solidFill>
-          <a:prstDash val="solid"/>
-        </a:ln>
-        <a:effectLst/>
-      </dsp:spPr>
-      <dsp:style>
-        <a:lnRef idx="2">
-          <a:scrgbClr r="0" g="0" b="0"/>
-        </a:lnRef>
-        <a:fillRef idx="1">
-          <a:scrgbClr r="0" g="0" b="0"/>
-        </a:fillRef>
-        <a:effectRef idx="0">
-          <a:scrgbClr r="0" g="0" b="0"/>
-        </a:effectRef>
-        <a:fontRef idx="minor"/>
-      </dsp:style>
-    </dsp:sp>
-    <dsp:sp modelId="{81DCBC7C-4093-493E-BF7C-F8DD1FDF089F}">
-      <dsp:nvSpPr>
-        <dsp:cNvPr id="0" name=""/>
-        <dsp:cNvSpPr/>
-      </dsp:nvSpPr>
-      <dsp:spPr>
-        <a:xfrm>
-          <a:off x="310817" y="135517"/>
-          <a:ext cx="4379556" cy="342571"/>
-        </a:xfrm>
-        <a:prstGeom prst="roundRect">
-          <a:avLst/>
-        </a:prstGeom>
-        <a:solidFill>
-          <a:schemeClr val="accent1">
-            <a:hueOff val="0"/>
-            <a:satOff val="0"/>
-            <a:lumOff val="0"/>
-            <a:alphaOff val="0"/>
-          </a:schemeClr>
-        </a:solidFill>
-        <a:ln w="25400" cap="flat" cmpd="sng" algn="ctr">
-          <a:solidFill>
-            <a:schemeClr val="lt1">
-              <a:hueOff val="0"/>
-              <a:satOff val="0"/>
-              <a:lumOff val="0"/>
-              <a:alphaOff val="0"/>
-            </a:schemeClr>
-          </a:solidFill>
-          <a:prstDash val="solid"/>
-        </a:ln>
-        <a:effectLst/>
-      </dsp:spPr>
-      <dsp:style>
-        <a:lnRef idx="2">
-          <a:scrgbClr r="0" g="0" b="0"/>
-        </a:lnRef>
-        <a:fillRef idx="1">
-          <a:scrgbClr r="0" g="0" b="0"/>
-        </a:fillRef>
-        <a:effectRef idx="0">
-          <a:scrgbClr r="0" g="0" b="0"/>
-        </a:effectRef>
-        <a:fontRef idx="minor">
-          <a:schemeClr val="lt1"/>
-        </a:fontRef>
-      </dsp:style>
-      <dsp:txBody>
-        <a:bodyPr spcFirstLastPara="0" vert="horz" wrap="square" lIns="164474" tIns="0" rIns="164474" bIns="0" numCol="1" spcCol="1270" anchor="ctr" anchorCtr="0">
-          <a:noAutofit/>
-        </a:bodyPr>
-        <a:lstStyle/>
-        <a:p>
-          <a:pPr lvl="0" algn="l" defTabSz="711200">
-            <a:lnSpc>
-              <a:spcPct val="90000"/>
-            </a:lnSpc>
-            <a:spcBef>
-              <a:spcPct val="0"/>
-            </a:spcBef>
-            <a:spcAft>
-              <a:spcPct val="35000"/>
-            </a:spcAft>
-          </a:pPr>
-          <a:r>
-            <a:rPr lang="zh-CN" altLang="en-US" sz="1600" b="0" kern="1200" dirty="0" smtClean="0">
-              <a:latin typeface="微软雅黑" panose="020B0503020204020204" pitchFamily="34" charset="-122"/>
-              <a:ea typeface="微软雅黑" panose="020B0503020204020204" pitchFamily="34" charset="-122"/>
-            </a:rPr>
-            <a:t>自动化测试现状及困境</a:t>
-          </a:r>
-          <a:endParaRPr lang="zh-CN" altLang="en-US" sz="1600" b="0" kern="1200" dirty="0">
-            <a:latin typeface="微软雅黑" panose="020B0503020204020204" pitchFamily="34" charset="-122"/>
-            <a:ea typeface="微软雅黑" panose="020B0503020204020204" pitchFamily="34" charset="-122"/>
-          </a:endParaRPr>
-        </a:p>
-      </dsp:txBody>
-      <dsp:txXfrm>
-        <a:off x="327540" y="152240"/>
-        <a:ext cx="4346110" cy="309125"/>
-      </dsp:txXfrm>
-    </dsp:sp>
-    <dsp:sp modelId="{F4464D87-FF02-41E2-A693-E25DEAD8C3B2}">
-      <dsp:nvSpPr>
-        <dsp:cNvPr id="0" name=""/>
-        <dsp:cNvSpPr/>
-      </dsp:nvSpPr>
-      <dsp:spPr>
-        <a:xfrm>
-          <a:off x="0" y="906488"/>
-          <a:ext cx="6216352" cy="352800"/>
-        </a:xfrm>
-        <a:prstGeom prst="rect">
-          <a:avLst/>
-        </a:prstGeom>
-        <a:solidFill>
-          <a:schemeClr val="lt1">
-            <a:alpha val="90000"/>
-            <a:hueOff val="0"/>
-            <a:satOff val="0"/>
-            <a:lumOff val="0"/>
-            <a:alphaOff val="0"/>
-          </a:schemeClr>
-        </a:solidFill>
-        <a:ln w="25400" cap="flat" cmpd="sng" algn="ctr">
-          <a:solidFill>
-            <a:schemeClr val="accent1">
-              <a:hueOff val="0"/>
-              <a:satOff val="0"/>
-              <a:lumOff val="0"/>
-              <a:alphaOff val="0"/>
-            </a:schemeClr>
-          </a:solidFill>
-          <a:prstDash val="solid"/>
-        </a:ln>
-        <a:effectLst/>
-      </dsp:spPr>
-      <dsp:style>
-        <a:lnRef idx="2">
-          <a:scrgbClr r="0" g="0" b="0"/>
-        </a:lnRef>
-        <a:fillRef idx="1">
-          <a:scrgbClr r="0" g="0" b="0"/>
-        </a:fillRef>
-        <a:effectRef idx="0">
-          <a:scrgbClr r="0" g="0" b="0"/>
-        </a:effectRef>
-        <a:fontRef idx="minor"/>
-      </dsp:style>
-    </dsp:sp>
-    <dsp:sp modelId="{AC3D40E7-90AF-4886-995D-C8943970159F}">
-      <dsp:nvSpPr>
-        <dsp:cNvPr id="0" name=""/>
-        <dsp:cNvSpPr/>
-      </dsp:nvSpPr>
-      <dsp:spPr>
-        <a:xfrm>
-          <a:off x="310817" y="699848"/>
-          <a:ext cx="4351446" cy="413280"/>
-        </a:xfrm>
-        <a:prstGeom prst="roundRect">
-          <a:avLst/>
-        </a:prstGeom>
-        <a:solidFill>
-          <a:schemeClr val="accent1">
-            <a:hueOff val="0"/>
-            <a:satOff val="0"/>
-            <a:lumOff val="0"/>
-            <a:alphaOff val="0"/>
-          </a:schemeClr>
-        </a:solidFill>
-        <a:ln w="25400" cap="flat" cmpd="sng" algn="ctr">
-          <a:solidFill>
-            <a:schemeClr val="lt1">
-              <a:hueOff val="0"/>
-              <a:satOff val="0"/>
-              <a:lumOff val="0"/>
-              <a:alphaOff val="0"/>
-            </a:schemeClr>
-          </a:solidFill>
-          <a:prstDash val="solid"/>
-        </a:ln>
-        <a:effectLst/>
-      </dsp:spPr>
-      <dsp:style>
-        <a:lnRef idx="2">
-          <a:scrgbClr r="0" g="0" b="0"/>
-        </a:lnRef>
-        <a:fillRef idx="1">
-          <a:scrgbClr r="0" g="0" b="0"/>
-        </a:fillRef>
-        <a:effectRef idx="0">
-          <a:scrgbClr r="0" g="0" b="0"/>
-        </a:effectRef>
-        <a:fontRef idx="minor">
-          <a:schemeClr val="lt1"/>
-        </a:fontRef>
-      </dsp:style>
-      <dsp:txBody>
-        <a:bodyPr spcFirstLastPara="0" vert="horz" wrap="square" lIns="164474" tIns="0" rIns="164474" bIns="0" numCol="1" spcCol="1270" anchor="ctr" anchorCtr="0">
-          <a:noAutofit/>
-        </a:bodyPr>
-        <a:lstStyle/>
-        <a:p>
-          <a:pPr lvl="0" algn="l" defTabSz="711200">
-            <a:lnSpc>
-              <a:spcPct val="90000"/>
-            </a:lnSpc>
-            <a:spcBef>
-              <a:spcPct val="0"/>
-            </a:spcBef>
-            <a:spcAft>
-              <a:spcPct val="35000"/>
-            </a:spcAft>
-          </a:pPr>
-          <a:r>
-            <a:rPr lang="zh-CN" altLang="en-US" sz="1600" b="0" kern="1200" dirty="0" smtClean="0">
-              <a:latin typeface="微软雅黑" panose="020B0503020204020204" pitchFamily="34" charset="-122"/>
-              <a:ea typeface="微软雅黑" panose="020B0503020204020204" pitchFamily="34" charset="-122"/>
-            </a:rPr>
-            <a:t>自动化测试解决方案</a:t>
-          </a:r>
-          <a:endParaRPr lang="zh-CN" altLang="en-US" sz="1600" b="0" kern="1200" dirty="0">
-            <a:latin typeface="微软雅黑" panose="020B0503020204020204" pitchFamily="34" charset="-122"/>
-            <a:ea typeface="微软雅黑" panose="020B0503020204020204" pitchFamily="34" charset="-122"/>
-          </a:endParaRPr>
-        </a:p>
-      </dsp:txBody>
-      <dsp:txXfrm>
-        <a:off x="330992" y="720023"/>
-        <a:ext cx="4311096" cy="372930"/>
-      </dsp:txXfrm>
-    </dsp:sp>
-    <dsp:sp modelId="{F6E36D75-F789-4D24-9687-EEEB5F6CD401}">
-      <dsp:nvSpPr>
-        <dsp:cNvPr id="0" name=""/>
-        <dsp:cNvSpPr/>
-      </dsp:nvSpPr>
-      <dsp:spPr>
-        <a:xfrm>
-          <a:off x="0" y="1541528"/>
-          <a:ext cx="6216352" cy="352800"/>
-        </a:xfrm>
-        <a:prstGeom prst="rect">
-          <a:avLst/>
-        </a:prstGeom>
-        <a:solidFill>
-          <a:schemeClr val="lt1">
-            <a:alpha val="90000"/>
-            <a:hueOff val="0"/>
-            <a:satOff val="0"/>
-            <a:lumOff val="0"/>
-            <a:alphaOff val="0"/>
-          </a:schemeClr>
-        </a:solidFill>
-        <a:ln w="25400" cap="flat" cmpd="sng" algn="ctr">
-          <a:solidFill>
-            <a:schemeClr val="accent1">
-              <a:hueOff val="0"/>
-              <a:satOff val="0"/>
-              <a:lumOff val="0"/>
-              <a:alphaOff val="0"/>
-            </a:schemeClr>
-          </a:solidFill>
-          <a:prstDash val="solid"/>
-        </a:ln>
-        <a:effectLst/>
-      </dsp:spPr>
-      <dsp:style>
-        <a:lnRef idx="2">
-          <a:scrgbClr r="0" g="0" b="0"/>
-        </a:lnRef>
-        <a:fillRef idx="1">
-          <a:scrgbClr r="0" g="0" b="0"/>
-        </a:fillRef>
-        <a:effectRef idx="0">
-          <a:scrgbClr r="0" g="0" b="0"/>
-        </a:effectRef>
-        <a:fontRef idx="minor"/>
-      </dsp:style>
-    </dsp:sp>
-    <dsp:sp modelId="{BDA32C02-2D99-4B20-9E50-A46D858F5493}">
-      <dsp:nvSpPr>
-        <dsp:cNvPr id="0" name=""/>
-        <dsp:cNvSpPr/>
-      </dsp:nvSpPr>
-      <dsp:spPr>
-        <a:xfrm>
-          <a:off x="310817" y="1334888"/>
-          <a:ext cx="4351446" cy="413280"/>
-        </a:xfrm>
-        <a:prstGeom prst="roundRect">
-          <a:avLst/>
-        </a:prstGeom>
-        <a:solidFill>
-          <a:schemeClr val="accent1">
-            <a:hueOff val="0"/>
-            <a:satOff val="0"/>
-            <a:lumOff val="0"/>
-            <a:alphaOff val="0"/>
-          </a:schemeClr>
-        </a:solidFill>
-        <a:ln w="25400" cap="flat" cmpd="sng" algn="ctr">
-          <a:solidFill>
-            <a:schemeClr val="lt1">
-              <a:hueOff val="0"/>
-              <a:satOff val="0"/>
-              <a:lumOff val="0"/>
-              <a:alphaOff val="0"/>
-            </a:schemeClr>
-          </a:solidFill>
-          <a:prstDash val="solid"/>
-        </a:ln>
-        <a:effectLst/>
-      </dsp:spPr>
-      <dsp:style>
-        <a:lnRef idx="2">
-          <a:scrgbClr r="0" g="0" b="0"/>
-        </a:lnRef>
-        <a:fillRef idx="1">
-          <a:scrgbClr r="0" g="0" b="0"/>
-        </a:fillRef>
-        <a:effectRef idx="0">
-          <a:scrgbClr r="0" g="0" b="0"/>
-        </a:effectRef>
-        <a:fontRef idx="minor">
-          <a:schemeClr val="lt1"/>
-        </a:fontRef>
-      </dsp:style>
-      <dsp:txBody>
-        <a:bodyPr spcFirstLastPara="0" vert="horz" wrap="square" lIns="164474" tIns="0" rIns="164474" bIns="0" numCol="1" spcCol="1270" anchor="ctr" anchorCtr="0">
-          <a:noAutofit/>
-        </a:bodyPr>
-        <a:lstStyle/>
-        <a:p>
-          <a:pPr lvl="0" algn="l" defTabSz="711200">
-            <a:lnSpc>
-              <a:spcPct val="90000"/>
-            </a:lnSpc>
-            <a:spcBef>
-              <a:spcPct val="0"/>
-            </a:spcBef>
-            <a:spcAft>
-              <a:spcPct val="35000"/>
-            </a:spcAft>
-          </a:pPr>
-          <a:r>
-            <a:rPr lang="zh-CN" altLang="en-US" sz="1600" kern="1200" dirty="0" smtClean="0">
-              <a:latin typeface="微软雅黑" panose="020B0503020204020204" pitchFamily="34" charset="-122"/>
-              <a:ea typeface="微软雅黑" panose="020B0503020204020204" pitchFamily="34" charset="-122"/>
-            </a:rPr>
-            <a:t>与 </a:t>
-          </a:r>
-          <a:r>
-            <a:rPr lang="en-US" altLang="en-US" sz="1600" kern="1200" dirty="0" smtClean="0">
-              <a:latin typeface="微软雅黑" panose="020B0503020204020204" pitchFamily="34" charset="-122"/>
-              <a:ea typeface="微软雅黑" panose="020B0503020204020204" pitchFamily="34" charset="-122"/>
-            </a:rPr>
-            <a:t>TFS </a:t>
-          </a:r>
-          <a:r>
-            <a:rPr lang="zh-CN" altLang="en-US" sz="1600" kern="1200" dirty="0" smtClean="0">
-              <a:latin typeface="微软雅黑" panose="020B0503020204020204" pitchFamily="34" charset="-122"/>
-              <a:ea typeface="微软雅黑" panose="020B0503020204020204" pitchFamily="34" charset="-122"/>
-            </a:rPr>
-            <a:t>集成</a:t>
-          </a:r>
-          <a:endParaRPr lang="zh-CN" altLang="en-US" sz="1600" b="0" kern="1200" dirty="0">
-            <a:latin typeface="微软雅黑" panose="020B0503020204020204" pitchFamily="34" charset="-122"/>
-            <a:ea typeface="微软雅黑" panose="020B0503020204020204" pitchFamily="34" charset="-122"/>
-          </a:endParaRPr>
-        </a:p>
-      </dsp:txBody>
-      <dsp:txXfrm>
-        <a:off x="330992" y="1355063"/>
-        <a:ext cx="4311096" cy="372930"/>
-      </dsp:txXfrm>
-    </dsp:sp>
-    <dsp:sp modelId="{D3F0FD15-2EC1-45A0-90AD-28E75B5A6CBF}">
-      <dsp:nvSpPr>
-        <dsp:cNvPr id="0" name=""/>
-        <dsp:cNvSpPr/>
-      </dsp:nvSpPr>
-      <dsp:spPr>
-        <a:xfrm>
-          <a:off x="0" y="2176568"/>
-          <a:ext cx="6216352" cy="1323000"/>
-        </a:xfrm>
-        <a:prstGeom prst="rect">
-          <a:avLst/>
-        </a:prstGeom>
-        <a:solidFill>
-          <a:schemeClr val="lt1">
-            <a:alpha val="90000"/>
-            <a:hueOff val="0"/>
-            <a:satOff val="0"/>
-            <a:lumOff val="0"/>
-            <a:alphaOff val="0"/>
-          </a:schemeClr>
-        </a:solidFill>
-        <a:ln w="25400" cap="flat" cmpd="sng" algn="ctr">
-          <a:solidFill>
-            <a:schemeClr val="accent1">
-              <a:hueOff val="0"/>
-              <a:satOff val="0"/>
-              <a:lumOff val="0"/>
-              <a:alphaOff val="0"/>
-            </a:schemeClr>
-          </a:solidFill>
-          <a:prstDash val="solid"/>
-        </a:ln>
-        <a:effectLst/>
-      </dsp:spPr>
-      <dsp:style>
-        <a:lnRef idx="2">
-          <a:scrgbClr r="0" g="0" b="0"/>
-        </a:lnRef>
-        <a:fillRef idx="1">
-          <a:scrgbClr r="0" g="0" b="0"/>
-        </a:fillRef>
-        <a:effectRef idx="0">
-          <a:scrgbClr r="0" g="0" b="0"/>
-        </a:effectRef>
-        <a:fontRef idx="minor"/>
-      </dsp:style>
-      <dsp:txBody>
-        <a:bodyPr spcFirstLastPara="0" vert="horz" wrap="square" lIns="482458" tIns="291592" rIns="482458" bIns="99568" numCol="1" spcCol="1270" anchor="t" anchorCtr="0">
-          <a:noAutofit/>
-        </a:bodyPr>
-        <a:lstStyle/>
-        <a:p>
-          <a:pPr marL="114300" lvl="1" indent="-114300" algn="l" defTabSz="622300">
-            <a:lnSpc>
-              <a:spcPct val="90000"/>
-            </a:lnSpc>
-            <a:spcBef>
-              <a:spcPct val="0"/>
-            </a:spcBef>
-            <a:spcAft>
-              <a:spcPct val="15000"/>
-            </a:spcAft>
-            <a:buChar char="••"/>
-          </a:pPr>
-          <a:r>
-            <a:rPr lang="zh-CN" altLang="en-US" sz="1400" kern="1200" dirty="0" smtClean="0">
-              <a:latin typeface="微软雅黑" panose="020B0503020204020204" pitchFamily="34" charset="-122"/>
-              <a:ea typeface="微软雅黑" panose="020B0503020204020204" pitchFamily="34" charset="-122"/>
-            </a:rPr>
-            <a:t>网上交易 </a:t>
-          </a:r>
-          <a:r>
-            <a:rPr lang="en-US" altLang="zh-CN" sz="1400" kern="1200" dirty="0" smtClean="0">
-              <a:latin typeface="微软雅黑" panose="020B0503020204020204" pitchFamily="34" charset="-122"/>
-              <a:ea typeface="微软雅黑" panose="020B0503020204020204" pitchFamily="34" charset="-122"/>
-            </a:rPr>
-            <a:t>Web </a:t>
-          </a:r>
-          <a:r>
-            <a:rPr lang="zh-CN" altLang="en-US" sz="1400" kern="1200" dirty="0" smtClean="0">
-              <a:latin typeface="微软雅黑" panose="020B0503020204020204" pitchFamily="34" charset="-122"/>
-              <a:ea typeface="微软雅黑" panose="020B0503020204020204" pitchFamily="34" charset="-122"/>
-            </a:rPr>
-            <a:t>自动化测试</a:t>
-          </a:r>
-          <a:endParaRPr lang="zh-CN" altLang="en-US" sz="1400" kern="1200" dirty="0">
-            <a:latin typeface="微软雅黑" panose="020B0503020204020204" pitchFamily="34" charset="-122"/>
-            <a:ea typeface="微软雅黑" panose="020B0503020204020204" pitchFamily="34" charset="-122"/>
-          </a:endParaRPr>
-        </a:p>
-        <a:p>
-          <a:pPr marL="114300" lvl="1" indent="-114300" algn="l" defTabSz="622300">
-            <a:lnSpc>
-              <a:spcPct val="90000"/>
-            </a:lnSpc>
-            <a:spcBef>
-              <a:spcPct val="0"/>
-            </a:spcBef>
-            <a:spcAft>
-              <a:spcPct val="15000"/>
-            </a:spcAft>
-            <a:buChar char="••"/>
-          </a:pPr>
-          <a:r>
-            <a:rPr lang="zh-CN" altLang="en-US" sz="1400" kern="1200" dirty="0" smtClean="0">
-              <a:latin typeface="微软雅黑" panose="020B0503020204020204" pitchFamily="34" charset="-122"/>
-              <a:ea typeface="微软雅黑" panose="020B0503020204020204" pitchFamily="34" charset="-122"/>
-            </a:rPr>
-            <a:t>监控平台接口测试</a:t>
-          </a:r>
-          <a:endParaRPr lang="zh-CN" altLang="en-US" sz="1400" kern="1200" dirty="0">
-            <a:latin typeface="微软雅黑" panose="020B0503020204020204" pitchFamily="34" charset="-122"/>
-            <a:ea typeface="微软雅黑" panose="020B0503020204020204" pitchFamily="34" charset="-122"/>
-          </a:endParaRPr>
-        </a:p>
-        <a:p>
-          <a:pPr marL="114300" lvl="1" indent="-114300" algn="l" defTabSz="622300">
-            <a:lnSpc>
-              <a:spcPct val="90000"/>
-            </a:lnSpc>
-            <a:spcBef>
-              <a:spcPct val="0"/>
-            </a:spcBef>
-            <a:spcAft>
-              <a:spcPct val="15000"/>
-            </a:spcAft>
-            <a:buChar char="••"/>
-          </a:pPr>
-          <a:r>
-            <a:rPr lang="en-US" altLang="zh-CN" sz="1400" kern="1200" dirty="0" smtClean="0">
-              <a:latin typeface="微软雅黑" panose="020B0503020204020204" pitchFamily="34" charset="-122"/>
-              <a:ea typeface="微软雅黑" panose="020B0503020204020204" pitchFamily="34" charset="-122"/>
-            </a:rPr>
-            <a:t>SonarQube </a:t>
-          </a:r>
-          <a:r>
-            <a:rPr lang="zh-CN" altLang="en-US" sz="1400" kern="1200" dirty="0" smtClean="0">
-              <a:latin typeface="微软雅黑" panose="020B0503020204020204" pitchFamily="34" charset="-122"/>
-              <a:ea typeface="微软雅黑" panose="020B0503020204020204" pitchFamily="34" charset="-122"/>
-            </a:rPr>
-            <a:t>代码检查</a:t>
-          </a:r>
-          <a:endParaRPr lang="zh-CN" altLang="en-US" sz="1400" kern="1200" dirty="0">
-            <a:latin typeface="微软雅黑" panose="020B0503020204020204" pitchFamily="34" charset="-122"/>
-            <a:ea typeface="微软雅黑" panose="020B0503020204020204" pitchFamily="34" charset="-122"/>
-          </a:endParaRPr>
-        </a:p>
-      </dsp:txBody>
-      <dsp:txXfrm>
-        <a:off x="0" y="2176568"/>
-        <a:ext cx="6216352" cy="1323000"/>
-      </dsp:txXfrm>
-    </dsp:sp>
-    <dsp:sp modelId="{05A82550-545C-4FC0-8EE2-C8A77E100EBE}">
-      <dsp:nvSpPr>
-        <dsp:cNvPr id="0" name=""/>
-        <dsp:cNvSpPr/>
-      </dsp:nvSpPr>
-      <dsp:spPr>
-        <a:xfrm>
-          <a:off x="310817" y="1969928"/>
-          <a:ext cx="4351446" cy="413280"/>
-        </a:xfrm>
-        <a:prstGeom prst="roundRect">
-          <a:avLst/>
-        </a:prstGeom>
-        <a:solidFill>
-          <a:schemeClr val="accent1">
-            <a:hueOff val="0"/>
-            <a:satOff val="0"/>
-            <a:lumOff val="0"/>
-            <a:alphaOff val="0"/>
-          </a:schemeClr>
-        </a:solidFill>
-        <a:ln w="25400" cap="flat" cmpd="sng" algn="ctr">
-          <a:solidFill>
-            <a:schemeClr val="lt1">
-              <a:hueOff val="0"/>
-              <a:satOff val="0"/>
-              <a:lumOff val="0"/>
-              <a:alphaOff val="0"/>
-            </a:schemeClr>
-          </a:solidFill>
-          <a:prstDash val="solid"/>
-        </a:ln>
-        <a:effectLst/>
-      </dsp:spPr>
-      <dsp:style>
-        <a:lnRef idx="2">
-          <a:scrgbClr r="0" g="0" b="0"/>
-        </a:lnRef>
-        <a:fillRef idx="1">
-          <a:scrgbClr r="0" g="0" b="0"/>
-        </a:fillRef>
-        <a:effectRef idx="0">
-          <a:scrgbClr r="0" g="0" b="0"/>
-        </a:effectRef>
-        <a:fontRef idx="minor">
-          <a:schemeClr val="lt1"/>
-        </a:fontRef>
-      </dsp:style>
-      <dsp:txBody>
-        <a:bodyPr spcFirstLastPara="0" vert="horz" wrap="square" lIns="164474" tIns="0" rIns="164474" bIns="0" numCol="1" spcCol="1270" anchor="ctr" anchorCtr="0">
-          <a:noAutofit/>
-        </a:bodyPr>
-        <a:lstStyle/>
-        <a:p>
-          <a:pPr lvl="0" algn="l" defTabSz="711200">
-            <a:lnSpc>
-              <a:spcPct val="90000"/>
-            </a:lnSpc>
-            <a:spcBef>
-              <a:spcPct val="0"/>
-            </a:spcBef>
-            <a:spcAft>
-              <a:spcPct val="35000"/>
-            </a:spcAft>
-          </a:pPr>
-          <a:r>
-            <a:rPr lang="zh-CN" altLang="en-US" sz="1600" kern="1200" dirty="0" smtClean="0">
-              <a:latin typeface="微软雅黑" panose="020B0503020204020204" pitchFamily="34" charset="-122"/>
-              <a:ea typeface="微软雅黑" panose="020B0503020204020204" pitchFamily="34" charset="-122"/>
-            </a:rPr>
-            <a:t>项目实践</a:t>
-          </a:r>
-          <a:endParaRPr lang="zh-CN" altLang="en-US" sz="1600" kern="1200" dirty="0">
-            <a:latin typeface="微软雅黑" panose="020B0503020204020204" pitchFamily="34" charset="-122"/>
-            <a:ea typeface="微软雅黑" panose="020B0503020204020204" pitchFamily="34" charset="-122"/>
-          </a:endParaRPr>
-        </a:p>
-      </dsp:txBody>
-      <dsp:txXfrm>
-        <a:off x="330992" y="1990103"/>
-        <a:ext cx="4311096" cy="372930"/>
-      </dsp:txXfrm>
-    </dsp:sp>
-    <dsp:sp modelId="{1CB84430-7D41-4197-BD1E-C840DE83478E}">
-      <dsp:nvSpPr>
-        <dsp:cNvPr id="0" name=""/>
-        <dsp:cNvSpPr/>
-      </dsp:nvSpPr>
-      <dsp:spPr>
-        <a:xfrm>
-          <a:off x="0" y="3781808"/>
-          <a:ext cx="6216352" cy="352800"/>
-        </a:xfrm>
-        <a:prstGeom prst="rect">
-          <a:avLst/>
-        </a:prstGeom>
-        <a:solidFill>
-          <a:schemeClr val="lt1">
-            <a:alpha val="90000"/>
-            <a:hueOff val="0"/>
-            <a:satOff val="0"/>
-            <a:lumOff val="0"/>
-            <a:alphaOff val="0"/>
-          </a:schemeClr>
-        </a:solidFill>
-        <a:ln w="25400" cap="flat" cmpd="sng" algn="ctr">
-          <a:solidFill>
-            <a:schemeClr val="accent1">
-              <a:hueOff val="0"/>
-              <a:satOff val="0"/>
-              <a:lumOff val="0"/>
-              <a:alphaOff val="0"/>
-            </a:schemeClr>
-          </a:solidFill>
-          <a:prstDash val="solid"/>
-        </a:ln>
-        <a:effectLst/>
-      </dsp:spPr>
-      <dsp:style>
-        <a:lnRef idx="2">
-          <a:scrgbClr r="0" g="0" b="0"/>
-        </a:lnRef>
-        <a:fillRef idx="1">
-          <a:scrgbClr r="0" g="0" b="0"/>
-        </a:fillRef>
-        <a:effectRef idx="0">
-          <a:scrgbClr r="0" g="0" b="0"/>
-        </a:effectRef>
-        <a:fontRef idx="minor"/>
-      </dsp:style>
-    </dsp:sp>
-    <dsp:sp modelId="{0A539BE3-B914-4FD4-9189-E8FEF077789E}">
-      <dsp:nvSpPr>
-        <dsp:cNvPr id="0" name=""/>
-        <dsp:cNvSpPr/>
-      </dsp:nvSpPr>
-      <dsp:spPr>
-        <a:xfrm>
-          <a:off x="310817" y="3575168"/>
-          <a:ext cx="4351446" cy="413280"/>
-        </a:xfrm>
-        <a:prstGeom prst="roundRect">
-          <a:avLst/>
-        </a:prstGeom>
-        <a:solidFill>
-          <a:schemeClr val="accent1">
-            <a:hueOff val="0"/>
-            <a:satOff val="0"/>
-            <a:lumOff val="0"/>
-            <a:alphaOff val="0"/>
-          </a:schemeClr>
-        </a:solidFill>
-        <a:ln w="25400" cap="flat" cmpd="sng" algn="ctr">
-          <a:solidFill>
-            <a:schemeClr val="lt1">
-              <a:hueOff val="0"/>
-              <a:satOff val="0"/>
-              <a:lumOff val="0"/>
-              <a:alphaOff val="0"/>
-            </a:schemeClr>
-          </a:solidFill>
-          <a:prstDash val="solid"/>
-        </a:ln>
-        <a:effectLst/>
-      </dsp:spPr>
-      <dsp:style>
-        <a:lnRef idx="2">
-          <a:scrgbClr r="0" g="0" b="0"/>
-        </a:lnRef>
-        <a:fillRef idx="1">
-          <a:scrgbClr r="0" g="0" b="0"/>
-        </a:fillRef>
-        <a:effectRef idx="0">
-          <a:scrgbClr r="0" g="0" b="0"/>
-        </a:effectRef>
-        <a:fontRef idx="minor">
-          <a:schemeClr val="lt1"/>
-        </a:fontRef>
-      </dsp:style>
-      <dsp:txBody>
-        <a:bodyPr spcFirstLastPara="0" vert="horz" wrap="square" lIns="164474" tIns="0" rIns="164474" bIns="0" numCol="1" spcCol="1270" anchor="ctr" anchorCtr="0">
-          <a:noAutofit/>
-        </a:bodyPr>
-        <a:lstStyle/>
-        <a:p>
-          <a:pPr lvl="0" algn="l" defTabSz="711200">
-            <a:lnSpc>
-              <a:spcPct val="90000"/>
-            </a:lnSpc>
-            <a:spcBef>
-              <a:spcPct val="0"/>
-            </a:spcBef>
-            <a:spcAft>
-              <a:spcPct val="35000"/>
-            </a:spcAft>
-          </a:pPr>
-          <a:r>
-            <a:rPr lang="zh-CN" altLang="en-US" sz="1600" kern="1200" dirty="0" smtClean="0">
-              <a:latin typeface="微软雅黑" panose="020B0503020204020204" pitchFamily="34" charset="-122"/>
-              <a:ea typeface="微软雅黑" panose="020B0503020204020204" pitchFamily="34" charset="-122"/>
-            </a:rPr>
-            <a:t>自动化测试在 </a:t>
-          </a:r>
-          <a:r>
-            <a:rPr lang="en-US" sz="1600" kern="1200" dirty="0" smtClean="0">
-              <a:latin typeface="微软雅黑" panose="020B0503020204020204" pitchFamily="34" charset="-122"/>
-              <a:ea typeface="微软雅黑" panose="020B0503020204020204" pitchFamily="34" charset="-122"/>
-            </a:rPr>
-            <a:t>DevOps </a:t>
-          </a:r>
-          <a:r>
-            <a:rPr lang="zh-CN" altLang="en-US" sz="1600" kern="1200" dirty="0" smtClean="0">
-              <a:latin typeface="微软雅黑" panose="020B0503020204020204" pitchFamily="34" charset="-122"/>
-              <a:ea typeface="微软雅黑" panose="020B0503020204020204" pitchFamily="34" charset="-122"/>
-            </a:rPr>
-            <a:t>中运用</a:t>
-          </a:r>
-          <a:endParaRPr lang="zh-CN" altLang="en-US" sz="1600" kern="1200" dirty="0">
-            <a:latin typeface="微软雅黑" panose="020B0503020204020204" pitchFamily="34" charset="-122"/>
-            <a:ea typeface="微软雅黑" panose="020B0503020204020204" pitchFamily="34" charset="-122"/>
-          </a:endParaRPr>
-        </a:p>
-      </dsp:txBody>
-      <dsp:txXfrm>
-        <a:off x="330992" y="3595343"/>
-        <a:ext cx="4311096" cy="372930"/>
-      </dsp:txXfrm>
-    </dsp:sp>
-    <dsp:sp modelId="{3EC82740-746E-4D46-A485-1E4657468B33}">
-      <dsp:nvSpPr>
-        <dsp:cNvPr id="0" name=""/>
-        <dsp:cNvSpPr/>
-      </dsp:nvSpPr>
-      <dsp:spPr>
-        <a:xfrm>
-          <a:off x="0" y="4416848"/>
-          <a:ext cx="6216352" cy="992250"/>
-        </a:xfrm>
-        <a:prstGeom prst="rect">
-          <a:avLst/>
-        </a:prstGeom>
-        <a:solidFill>
-          <a:schemeClr val="lt1">
-            <a:alpha val="90000"/>
-            <a:hueOff val="0"/>
-            <a:satOff val="0"/>
-            <a:lumOff val="0"/>
-            <a:alphaOff val="0"/>
-          </a:schemeClr>
-        </a:solidFill>
-        <a:ln w="25400" cap="flat" cmpd="sng" algn="ctr">
-          <a:solidFill>
-            <a:schemeClr val="accent1">
-              <a:hueOff val="0"/>
-              <a:satOff val="0"/>
-              <a:lumOff val="0"/>
-              <a:alphaOff val="0"/>
-            </a:schemeClr>
-          </a:solidFill>
-          <a:prstDash val="solid"/>
-        </a:ln>
-        <a:effectLst/>
-      </dsp:spPr>
-      <dsp:style>
-        <a:lnRef idx="2">
-          <a:scrgbClr r="0" g="0" b="0"/>
-        </a:lnRef>
-        <a:fillRef idx="1">
-          <a:scrgbClr r="0" g="0" b="0"/>
-        </a:fillRef>
-        <a:effectRef idx="0">
-          <a:scrgbClr r="0" g="0" b="0"/>
-        </a:effectRef>
-        <a:fontRef idx="minor"/>
-      </dsp:style>
-      <dsp:txBody>
-        <a:bodyPr spcFirstLastPara="0" vert="horz" wrap="square" lIns="482458" tIns="291592" rIns="482458" bIns="99568" numCol="1" spcCol="1270" anchor="t" anchorCtr="0">
-          <a:noAutofit/>
-        </a:bodyPr>
-        <a:lstStyle/>
-        <a:p>
-          <a:pPr marL="114300" lvl="1" indent="-114300" algn="l" defTabSz="622300">
-            <a:lnSpc>
-              <a:spcPct val="90000"/>
-            </a:lnSpc>
-            <a:spcBef>
-              <a:spcPct val="0"/>
-            </a:spcBef>
-            <a:spcAft>
-              <a:spcPct val="15000"/>
-            </a:spcAft>
-            <a:buChar char="••"/>
-          </a:pPr>
-          <a:r>
-            <a:rPr lang="zh-CN" altLang="en-US" sz="1400" kern="1200" dirty="0" smtClean="0">
-              <a:latin typeface="微软雅黑" panose="020B0503020204020204" pitchFamily="34" charset="-122"/>
-              <a:ea typeface="微软雅黑" panose="020B0503020204020204" pitchFamily="34" charset="-122"/>
-            </a:rPr>
-            <a:t>辅助脚本</a:t>
-          </a:r>
-          <a:endParaRPr lang="zh-CN" altLang="en-US" sz="1400" kern="1200" dirty="0">
-            <a:latin typeface="微软雅黑" panose="020B0503020204020204" pitchFamily="34" charset="-122"/>
-            <a:ea typeface="微软雅黑" panose="020B0503020204020204" pitchFamily="34" charset="-122"/>
-          </a:endParaRPr>
-        </a:p>
-        <a:p>
-          <a:pPr marL="114300" lvl="1" indent="-114300" algn="l" defTabSz="622300">
-            <a:lnSpc>
-              <a:spcPct val="90000"/>
-            </a:lnSpc>
-            <a:spcBef>
-              <a:spcPct val="0"/>
-            </a:spcBef>
-            <a:spcAft>
-              <a:spcPct val="15000"/>
-            </a:spcAft>
-            <a:buChar char="••"/>
-          </a:pPr>
-          <a:r>
-            <a:rPr lang="zh-CN" altLang="en-US" sz="1400" kern="1200" dirty="0" smtClean="0">
-              <a:latin typeface="微软雅黑" panose="020B0503020204020204" pitchFamily="34" charset="-122"/>
-              <a:ea typeface="微软雅黑" panose="020B0503020204020204" pitchFamily="34" charset="-122"/>
-            </a:rPr>
-            <a:t>专项工具</a:t>
-          </a:r>
-          <a:endParaRPr lang="zh-CN" altLang="en-US" sz="1400" kern="1200" dirty="0">
-            <a:latin typeface="微软雅黑" panose="020B0503020204020204" pitchFamily="34" charset="-122"/>
-            <a:ea typeface="微软雅黑" panose="020B0503020204020204" pitchFamily="34" charset="-122"/>
-          </a:endParaRPr>
-        </a:p>
-      </dsp:txBody>
-      <dsp:txXfrm>
-        <a:off x="0" y="4416848"/>
-        <a:ext cx="6216352" cy="992250"/>
-      </dsp:txXfrm>
-    </dsp:sp>
-    <dsp:sp modelId="{D5C7B5B1-B4C8-48EF-8E16-A8135CFDC116}">
-      <dsp:nvSpPr>
-        <dsp:cNvPr id="0" name=""/>
-        <dsp:cNvSpPr/>
-      </dsp:nvSpPr>
-      <dsp:spPr>
-        <a:xfrm>
-          <a:off x="310817" y="4210208"/>
-          <a:ext cx="4351446" cy="413280"/>
-        </a:xfrm>
-        <a:prstGeom prst="roundRect">
-          <a:avLst/>
-        </a:prstGeom>
-        <a:solidFill>
-          <a:schemeClr val="accent1">
-            <a:hueOff val="0"/>
-            <a:satOff val="0"/>
-            <a:lumOff val="0"/>
-            <a:alphaOff val="0"/>
-          </a:schemeClr>
-        </a:solidFill>
-        <a:ln w="25400" cap="flat" cmpd="sng" algn="ctr">
-          <a:solidFill>
-            <a:schemeClr val="lt1">
-              <a:hueOff val="0"/>
-              <a:satOff val="0"/>
-              <a:lumOff val="0"/>
-              <a:alphaOff val="0"/>
-            </a:schemeClr>
-          </a:solidFill>
-          <a:prstDash val="solid"/>
-        </a:ln>
-        <a:effectLst/>
-      </dsp:spPr>
-      <dsp:style>
-        <a:lnRef idx="2">
-          <a:scrgbClr r="0" g="0" b="0"/>
-        </a:lnRef>
-        <a:fillRef idx="1">
-          <a:scrgbClr r="0" g="0" b="0"/>
-        </a:fillRef>
-        <a:effectRef idx="0">
-          <a:scrgbClr r="0" g="0" b="0"/>
-        </a:effectRef>
-        <a:fontRef idx="minor">
-          <a:schemeClr val="lt1"/>
-        </a:fontRef>
-      </dsp:style>
-      <dsp:txBody>
-        <a:bodyPr spcFirstLastPara="0" vert="horz" wrap="square" lIns="164474" tIns="0" rIns="164474" bIns="0" numCol="1" spcCol="1270" anchor="ctr" anchorCtr="0">
-          <a:noAutofit/>
-        </a:bodyPr>
-        <a:lstStyle/>
-        <a:p>
-          <a:pPr lvl="0" algn="l" defTabSz="1066800">
-            <a:lnSpc>
-              <a:spcPct val="90000"/>
-            </a:lnSpc>
-            <a:spcBef>
-              <a:spcPct val="0"/>
-            </a:spcBef>
-            <a:spcAft>
-              <a:spcPct val="35000"/>
-            </a:spcAft>
-          </a:pPr>
-          <a:r>
-            <a:rPr lang="zh-CN" altLang="en-US" sz="2400" b="1" kern="1200" dirty="0" smtClean="0">
-              <a:latin typeface="微软雅黑" panose="020B0503020204020204" pitchFamily="34" charset="-122"/>
-              <a:ea typeface="微软雅黑" panose="020B0503020204020204" pitchFamily="34" charset="-122"/>
-            </a:rPr>
-            <a:t>工具开发</a:t>
-          </a:r>
-          <a:endParaRPr lang="zh-CN" altLang="en-US" sz="2400" b="1" kern="1200" dirty="0">
-            <a:latin typeface="微软雅黑" panose="020B0503020204020204" pitchFamily="34" charset="-122"/>
-            <a:ea typeface="微软雅黑" panose="020B0503020204020204" pitchFamily="34" charset="-122"/>
-          </a:endParaRPr>
-        </a:p>
-      </dsp:txBody>
-      <dsp:txXfrm>
-        <a:off x="330992" y="4230383"/>
-        <a:ext cx="4311096" cy="372930"/>
-      </dsp:txXfrm>
-    </dsp:sp>
   </dsp:spTree>
 </dsp:drawing>
 </file>
@@ -33434,7 +31474,7 @@
       </p:sp>
       <p:pic>
         <p:nvPicPr>
-          <p:cNvPr id="3" name="图片 2"/>
+          <p:cNvPr id="2" name="图片 1"/>
           <p:cNvPicPr>
             <a:picLocks noChangeAspect="1"/>
           </p:cNvPicPr>
@@ -33454,8 +31494,8 @@
         </p:blipFill>
         <p:spPr>
           <a:xfrm>
-            <a:off x="1547664" y="461728"/>
-            <a:ext cx="6519278" cy="6396272"/>
+            <a:off x="1835696" y="692696"/>
+            <a:ext cx="6165304" cy="6165304"/>
           </a:xfrm>
           <a:prstGeom prst="rect">
             <a:avLst/>
@@ -33531,7 +31571,7 @@
       </p:sp>
       <p:pic>
         <p:nvPicPr>
-          <p:cNvPr id="2" name="图片 1"/>
+          <p:cNvPr id="6" name="图片 5"/>
           <p:cNvPicPr>
             <a:picLocks noChangeAspect="1"/>
           </p:cNvPicPr>
@@ -33551,8 +31591,8 @@
         </p:blipFill>
         <p:spPr>
           <a:xfrm>
-            <a:off x="539552" y="1110161"/>
-            <a:ext cx="8100392" cy="5665201"/>
+            <a:off x="899592" y="776893"/>
+            <a:ext cx="7760152" cy="6081105"/>
           </a:xfrm>
           <a:prstGeom prst="rect">
             <a:avLst/>
@@ -33617,18 +31657,22 @@
           <a:lstStyle/>
           <a:p>
             <a:r>
-              <a:rPr lang="en-US" altLang="zh-CN" dirty="0">
+              <a:rPr lang="en-US" altLang="zh-CN" dirty="0" smtClean="0">
                 <a:latin typeface="微软雅黑" panose="020B0503020204020204" pitchFamily="34" charset="-122"/>
                 <a:ea typeface="微软雅黑" panose="020B0503020204020204" pitchFamily="34" charset="-122"/>
               </a:rPr>
-              <a:t>Sonar</a:t>
-            </a:r>
+              <a:t>SonarQube</a:t>
+            </a:r>
+            <a:endParaRPr lang="en-US" altLang="zh-CN" dirty="0">
+              <a:latin typeface="微软雅黑" panose="020B0503020204020204" pitchFamily="34" charset="-122"/>
+              <a:ea typeface="微软雅黑" panose="020B0503020204020204" pitchFamily="34" charset="-122"/>
+            </a:endParaRPr>
           </a:p>
         </p:txBody>
       </p:sp>
       <p:pic>
         <p:nvPicPr>
-          <p:cNvPr id="2" name="图片 1"/>
+          <p:cNvPr id="4" name="图片 3"/>
           <p:cNvPicPr>
             <a:picLocks noChangeAspect="1"/>
           </p:cNvPicPr>
@@ -33648,8 +31692,8 @@
         </p:blipFill>
         <p:spPr>
           <a:xfrm>
-            <a:off x="66926" y="1052736"/>
-            <a:ext cx="8645026" cy="5683133"/>
+            <a:off x="0" y="631909"/>
+            <a:ext cx="8460432" cy="6207809"/>
           </a:xfrm>
           <a:prstGeom prst="rect">
             <a:avLst/>

--- a/自动化测试解决方案及项目实践.pptx
+++ b/自动化测试解决方案及项目实践.pptx
@@ -38170,6 +38170,19 @@
               <a:buNone/>
             </a:pPr>
             <a:r>
+              <a:rPr lang="zh-CN" altLang="en-US" sz="2000" smtClean="0">
+                <a:solidFill>
+                  <a:schemeClr val="tx1">
+                    <a:lumMod val="50000"/>
+                    <a:lumOff val="50000"/>
+                  </a:schemeClr>
+                </a:solidFill>
+                <a:latin typeface="微软雅黑" panose="020B0503020204020204" pitchFamily="34" charset="-122"/>
+                <a:ea typeface="微软雅黑" panose="020B0503020204020204" pitchFamily="34" charset="-122"/>
+              </a:rPr>
+              <a:t>支持多端的自动化</a:t>
+            </a:r>
+            <a:r>
               <a:rPr lang="zh-CN" altLang="en-US" sz="2000" dirty="0">
                 <a:solidFill>
                   <a:schemeClr val="tx1">
@@ -38180,7 +38193,7 @@
                 <a:latin typeface="微软雅黑" panose="020B0503020204020204" pitchFamily="34" charset="-122"/>
                 <a:ea typeface="微软雅黑" panose="020B0503020204020204" pitchFamily="34" charset="-122"/>
               </a:rPr>
-              <a:t>端到端的自动化测试解决方案，同时支持 </a:t>
+              <a:t>测试解决方案，同时支持 </a:t>
             </a:r>
             <a:r>
               <a:rPr lang="en-US" altLang="zh-CN" sz="2000" dirty="0">
@@ -39138,7 +39151,7 @@
       </p:sp>
       <p:pic>
         <p:nvPicPr>
-          <p:cNvPr id="5" name="图片 4"/>
+          <p:cNvPr id="3" name="图片 2"/>
           <p:cNvPicPr>
             <a:picLocks noChangeAspect="1"/>
           </p:cNvPicPr>
@@ -39158,8 +39171,8 @@
         </p:blipFill>
         <p:spPr>
           <a:xfrm>
-            <a:off x="251520" y="364404"/>
-            <a:ext cx="9144000" cy="6480149"/>
+            <a:off x="3635896" y="548680"/>
+            <a:ext cx="3483063" cy="6309320"/>
           </a:xfrm>
           <a:prstGeom prst="rect">
             <a:avLst/>
